--- a/Mod1Project_Presentation_POAriston.pptx
+++ b/Mod1Project_Presentation_POAriston.pptx
@@ -207,7 +207,7 @@
           <a:p>
             <a:fld id="{94A1F812-2F44-4AB9-9A7D-6BE65C1F42F4}" type="datetimeFigureOut">
               <a:rPr lang="en-US" smtClean="0"/>
-              <a:t>2/15/2020</a:t>
+              <a:t>2/18/2020</a:t>
             </a:fld>
             <a:endParaRPr lang="en-US"/>
           </a:p>
@@ -2385,7 +2385,7 @@
           <a:p>
             <a:fld id="{8AEBC24F-FD8C-45FB-AAFC-D340DF994E46}" type="datetimeFigureOut">
               <a:rPr lang="en-US" smtClean="0"/>
-              <a:t>2/15/2020</a:t>
+              <a:t>2/18/2020</a:t>
             </a:fld>
             <a:endParaRPr lang="en-US"/>
           </a:p>
@@ -2555,7 +2555,7 @@
           <a:p>
             <a:fld id="{8AEBC24F-FD8C-45FB-AAFC-D340DF994E46}" type="datetimeFigureOut">
               <a:rPr lang="en-US" smtClean="0"/>
-              <a:t>2/15/2020</a:t>
+              <a:t>2/18/2020</a:t>
             </a:fld>
             <a:endParaRPr lang="en-US"/>
           </a:p>
@@ -2801,7 +2801,7 @@
           <a:p>
             <a:fld id="{8AEBC24F-FD8C-45FB-AAFC-D340DF994E46}" type="datetimeFigureOut">
               <a:rPr lang="en-US" smtClean="0"/>
-              <a:t>2/15/2020</a:t>
+              <a:t>2/18/2020</a:t>
             </a:fld>
             <a:endParaRPr lang="en-US"/>
           </a:p>
@@ -3033,7 +3033,7 @@
           <a:p>
             <a:fld id="{8AEBC24F-FD8C-45FB-AAFC-D340DF994E46}" type="datetimeFigureOut">
               <a:rPr lang="en-US" smtClean="0"/>
-              <a:t>2/15/2020</a:t>
+              <a:t>2/18/2020</a:t>
             </a:fld>
             <a:endParaRPr lang="en-US"/>
           </a:p>
@@ -3400,7 +3400,7 @@
           <a:p>
             <a:fld id="{8AEBC24F-FD8C-45FB-AAFC-D340DF994E46}" type="datetimeFigureOut">
               <a:rPr lang="en-US" smtClean="0"/>
-              <a:t>2/15/2020</a:t>
+              <a:t>2/18/2020</a:t>
             </a:fld>
             <a:endParaRPr lang="en-US"/>
           </a:p>
@@ -3518,7 +3518,7 @@
           <a:p>
             <a:fld id="{8AEBC24F-FD8C-45FB-AAFC-D340DF994E46}" type="datetimeFigureOut">
               <a:rPr lang="en-US" smtClean="0"/>
-              <a:t>2/15/2020</a:t>
+              <a:t>2/18/2020</a:t>
             </a:fld>
             <a:endParaRPr lang="en-US"/>
           </a:p>
@@ -3613,7 +3613,7 @@
           <a:p>
             <a:fld id="{8AEBC24F-FD8C-45FB-AAFC-D340DF994E46}" type="datetimeFigureOut">
               <a:rPr lang="en-US" smtClean="0"/>
-              <a:t>2/15/2020</a:t>
+              <a:t>2/18/2020</a:t>
             </a:fld>
             <a:endParaRPr lang="en-US"/>
           </a:p>
@@ -3890,7 +3890,7 @@
           <a:p>
             <a:fld id="{8AEBC24F-FD8C-45FB-AAFC-D340DF994E46}" type="datetimeFigureOut">
               <a:rPr lang="en-US" smtClean="0"/>
-              <a:t>2/15/2020</a:t>
+              <a:t>2/18/2020</a:t>
             </a:fld>
             <a:endParaRPr lang="en-US"/>
           </a:p>
@@ -4348,7 +4348,7 @@
           <a:p>
             <a:fld id="{8AEBC24F-FD8C-45FB-AAFC-D340DF994E46}" type="datetimeFigureOut">
               <a:rPr lang="en-US" smtClean="0"/>
-              <a:t>2/15/2020</a:t>
+              <a:t>2/18/2020</a:t>
             </a:fld>
             <a:endParaRPr lang="en-US"/>
           </a:p>
@@ -4518,7 +4518,7 @@
           <a:p>
             <a:fld id="{8AEBC24F-FD8C-45FB-AAFC-D340DF994E46}" type="datetimeFigureOut">
               <a:rPr lang="en-US" smtClean="0"/>
-              <a:t>2/15/2020</a:t>
+              <a:t>2/18/2020</a:t>
             </a:fld>
             <a:endParaRPr lang="en-US"/>
           </a:p>
@@ -4698,7 +4698,7 @@
           <a:p>
             <a:fld id="{8AEBC24F-FD8C-45FB-AAFC-D340DF994E46}" type="datetimeFigureOut">
               <a:rPr lang="en-US" smtClean="0"/>
-              <a:t>2/15/2020</a:t>
+              <a:t>2/18/2020</a:t>
             </a:fld>
             <a:endParaRPr lang="en-US"/>
           </a:p>
@@ -7661,7 +7661,7 @@
           <a:p>
             <a:fld id="{8AEBC24F-FD8C-45FB-AAFC-D340DF994E46}" type="datetimeFigureOut">
               <a:rPr lang="en-US" smtClean="0"/>
-              <a:t>2/15/2020</a:t>
+              <a:t>2/18/2020</a:t>
             </a:fld>
             <a:endParaRPr lang="en-US"/>
           </a:p>
@@ -9037,8 +9037,8 @@
         </p:nvSpPr>
         <p:spPr>
           <a:xfrm>
-            <a:off x="381000" y="1562100"/>
-            <a:ext cx="11106150" cy="2308324"/>
+            <a:off x="161924" y="1327959"/>
+            <a:ext cx="11868152" cy="2800767"/>
           </a:xfrm>
           <a:prstGeom prst="rect">
             <a:avLst/>
@@ -9052,21 +9052,21 @@
           <a:lstStyle/>
           <a:p>
             <a:r>
-              <a:rPr lang="en-US" dirty="0"/>
-              <a:t>From tn.movie_budgets.csv, we analyzed the profitability of 4617 movies. For these movies, we used the budget and gross income data. We asked ourselves if the movie business is a good business to invest in. Taking into account all the available movies - good or bad -, how profitable are them on average?  Can we expect to make a profit as a starting inexperienced movie studio?</a:t>
-            </a:r>
-          </a:p>
-          <a:p>
-            <a:r>
-              <a:rPr lang="en-US" dirty="0"/>
+              <a:rPr lang="en-US" sz="2200" dirty="0"/>
+              <a:t>From tn.movie_budgets.csv, we analyzed the profitability of 4617 movies. For these movies, we used the budget and gross income data. We asked ourselves if the movie business is a good business to invest in. Considering all the available movies - good or bad -, how profitable are them on average?  Can we expect to make a profit as a starting inexperienced movie studio?</a:t>
+            </a:r>
+          </a:p>
+          <a:p>
+            <a:r>
+              <a:rPr lang="en-US" sz="2200" dirty="0"/>
               <a:t>To answer these questions, we randomly selected movies and calculated their average profit. We repeated this process 20000 times, each time choosing between 1 and 100 movies.</a:t>
             </a:r>
           </a:p>
           <a:p>
-            <a:endParaRPr lang="en-US" dirty="0"/>
-          </a:p>
-          <a:p>
-            <a:endParaRPr lang="en-US" dirty="0"/>
+            <a:endParaRPr lang="en-US" sz="2200" dirty="0"/>
+          </a:p>
+          <a:p>
+            <a:endParaRPr lang="en-US" sz="2200" dirty="0"/>
           </a:p>
         </p:txBody>
       </p:sp>
@@ -9409,8 +9409,8 @@
         </p:nvSpPr>
         <p:spPr>
           <a:xfrm>
-            <a:off x="5019674" y="4894292"/>
-            <a:ext cx="1543050" cy="369332"/>
+            <a:off x="5019673" y="4894292"/>
+            <a:ext cx="1733551" cy="369332"/>
           </a:xfrm>
           <a:prstGeom prst="rect">
             <a:avLst/>
@@ -9425,7 +9425,7 @@
           <a:p>
             <a:r>
               <a:rPr lang="en-US" dirty="0"/>
-              <a:t>Average profit </a:t>
+              <a:t>Average profits </a:t>
             </a:r>
           </a:p>
         </p:txBody>
@@ -9488,7 +9488,7 @@
         </p:nvSpPr>
         <p:spPr>
           <a:xfrm>
-            <a:off x="142874" y="3419475"/>
+            <a:off x="161924" y="3419475"/>
             <a:ext cx="6286501" cy="3092996"/>
           </a:xfrm>
           <a:prstGeom prst="ellipse">
@@ -9540,7 +9540,7 @@
         </p:nvSpPr>
         <p:spPr>
           <a:xfrm>
-            <a:off x="1066800" y="6449993"/>
+            <a:off x="1066800" y="6430943"/>
             <a:ext cx="6286500" cy="369332"/>
           </a:xfrm>
           <a:prstGeom prst="rect">
@@ -9563,7 +9563,7 @@
           <a:p>
             <a:r>
               <a:rPr lang="en-US" dirty="0"/>
-              <a:t>Repeat many times with different random selection of movies</a:t>
+              <a:t>Repeat many times with different random selections of movies</a:t>
             </a:r>
           </a:p>
         </p:txBody>
@@ -9629,14 +9629,14 @@
           <p:nvPr>
             <p:extLst>
               <p:ext uri="{D42A27DB-BD31-4B8C-83A1-F6EECF244321}">
-                <p14:modId xmlns:p14="http://schemas.microsoft.com/office/powerpoint/2010/main" val="3040445953"/>
+                <p14:modId xmlns:p14="http://schemas.microsoft.com/office/powerpoint/2010/main" val="3072561758"/>
               </p:ext>
             </p:extLst>
           </p:nvPr>
         </p:nvGraphicFramePr>
         <p:xfrm>
-          <a:off x="9266237" y="3669923"/>
-          <a:ext cx="2244725" cy="2682240"/>
+          <a:off x="8977311" y="3773577"/>
+          <a:ext cx="2439989" cy="2682240"/>
         </p:xfrm>
         <a:graphic>
           <a:graphicData uri="http://schemas.openxmlformats.org/drawingml/2006/table">
@@ -9645,7 +9645,7 @@
                 <a:tableStyleId>{21E4AEA4-8DFA-4A89-87EB-49C32662AFE0}</a:tableStyleId>
               </a:tblPr>
               <a:tblGrid>
-                <a:gridCol w="2244725">
+                <a:gridCol w="2439989">
                   <a:extLst>
                     <a:ext uri="{9D8B030D-6E8A-4147-A177-3AD203B41FA5}">
                       <a16:colId xmlns:a16="http://schemas.microsoft.com/office/drawing/2014/main" val="4288736592"/>
@@ -9698,7 +9698,7 @@
                       </a:pPr>
                       <a:r>
                         <a:rPr lang="en-US" dirty="0"/>
-                        <a:t>Average profit 1</a:t>
+                        <a:t>Average profit #1</a:t>
                       </a:r>
                     </a:p>
                   </a:txBody>
@@ -9735,7 +9735,7 @@
                       </a:pPr>
                       <a:r>
                         <a:rPr lang="en-US" dirty="0"/>
-                        <a:t>Average profit 2</a:t>
+                        <a:t>Average profit #2</a:t>
                       </a:r>
                     </a:p>
                   </a:txBody>
@@ -9827,7 +9827,7 @@
                       </a:pPr>
                       <a:r>
                         <a:rPr lang="en-US" dirty="0"/>
-                        <a:t>Average profit 20000</a:t>
+                        <a:t>Average profit #20000</a:t>
                       </a:r>
                     </a:p>
                   </a:txBody>
@@ -9843,6 +9843,89 @@
           </a:graphicData>
         </a:graphic>
       </p:graphicFrame>
+      <p:cxnSp>
+        <p:nvCxnSpPr>
+          <p:cNvPr id="17" name="Straight Arrow Connector 16">
+            <a:extLst>
+              <a:ext uri="{FF2B5EF4-FFF2-40B4-BE49-F238E27FC236}">
+                <a16:creationId xmlns:a16="http://schemas.microsoft.com/office/drawing/2014/main" id="{8761DB2D-7106-4BCC-9D65-5D98D571828D}"/>
+              </a:ext>
+            </a:extLst>
+          </p:cNvPr>
+          <p:cNvCxnSpPr/>
+          <p:nvPr/>
+        </p:nvCxnSpPr>
+        <p:spPr>
+          <a:xfrm>
+            <a:off x="3800474" y="4989542"/>
+            <a:ext cx="923925" cy="0"/>
+          </a:xfrm>
+          <a:prstGeom prst="straightConnector1">
+            <a:avLst/>
+          </a:prstGeom>
+          <a:ln>
+            <a:tailEnd type="triangle"/>
+          </a:ln>
+        </p:spPr>
+        <p:style>
+          <a:lnRef idx="1">
+            <a:schemeClr val="accent1"/>
+          </a:lnRef>
+          <a:fillRef idx="0">
+            <a:schemeClr val="accent1"/>
+          </a:fillRef>
+          <a:effectRef idx="0">
+            <a:schemeClr val="accent1"/>
+          </a:effectRef>
+          <a:fontRef idx="minor">
+            <a:schemeClr val="tx1"/>
+          </a:fontRef>
+        </p:style>
+      </p:cxnSp>
+      <p:sp>
+        <p:nvSpPr>
+          <p:cNvPr id="16" name="TextBox 15">
+            <a:extLst>
+              <a:ext uri="{FF2B5EF4-FFF2-40B4-BE49-F238E27FC236}">
+                <a16:creationId xmlns:a16="http://schemas.microsoft.com/office/drawing/2014/main" id="{E753CDD9-446D-4B68-9292-5B399426A5CA}"/>
+              </a:ext>
+            </a:extLst>
+          </p:cNvPr>
+          <p:cNvSpPr txBox="1"/>
+          <p:nvPr/>
+        </p:nvSpPr>
+        <p:spPr>
+          <a:xfrm rot="16984103">
+            <a:off x="3224210" y="4795987"/>
+            <a:ext cx="2009775" cy="369332"/>
+          </a:xfrm>
+          <a:prstGeom prst="rect">
+            <a:avLst/>
+          </a:prstGeom>
+          <a:solidFill>
+            <a:srgbClr val="FFFFFF">
+              <a:alpha val="50196"/>
+            </a:srgbClr>
+          </a:solidFill>
+          <a:ln>
+            <a:solidFill>
+              <a:schemeClr val="accent1"/>
+            </a:solidFill>
+          </a:ln>
+        </p:spPr>
+        <p:txBody>
+          <a:bodyPr wrap="square" rtlCol="0">
+            <a:spAutoFit/>
+          </a:bodyPr>
+          <a:lstStyle/>
+          <a:p>
+            <a:r>
+              <a:rPr lang="en-US" dirty="0"/>
+              <a:t>random selections</a:t>
+            </a:r>
+          </a:p>
+        </p:txBody>
+      </p:sp>
     </p:spTree>
     <p:extLst>
       <p:ext uri="{BB962C8B-B14F-4D97-AF65-F5344CB8AC3E}">
@@ -10112,8 +10195,8 @@
         </p:blipFill>
         <p:spPr bwMode="auto">
           <a:xfrm>
-            <a:off x="300038" y="1457325"/>
-            <a:ext cx="5953125" cy="4248150"/>
+            <a:off x="122501" y="1457324"/>
+            <a:ext cx="7408037" cy="5286375"/>
           </a:xfrm>
           <a:prstGeom prst="rect">
             <a:avLst/>
@@ -10144,8 +10227,8 @@
         </p:nvSpPr>
         <p:spPr>
           <a:xfrm>
-            <a:off x="7381874" y="2009775"/>
-            <a:ext cx="4510087" cy="2031325"/>
+            <a:off x="7562849" y="4012168"/>
+            <a:ext cx="4510087" cy="2677656"/>
           </a:xfrm>
           <a:prstGeom prst="rect">
             <a:avLst/>
@@ -10159,18 +10242,62 @@
           <a:lstStyle/>
           <a:p>
             <a:r>
-              <a:rPr lang="en-US" b="1" dirty="0"/>
-              <a:t>Getting into the movie business is a good choice as the level of profits is generally high: With randomly chosen movies. After 20 movies, we are almost certain to reach a profit ratio higher than 3.</a:t>
-            </a:r>
-          </a:p>
-          <a:p>
-            <a:r>
-              <a:rPr lang="en-US" b="1" dirty="0"/>
+              <a:rPr lang="en-US" sz="2400" dirty="0"/>
+              <a:t>Getting into the movie business is a good choice as the level of profits is generally high. With randomly chosen movies, after 20 movies, we are almost certain to reach a profit ratio higher than 3.</a:t>
+            </a:r>
+          </a:p>
+          <a:p>
+            <a:r>
+              <a:rPr lang="en-US" sz="2400" dirty="0"/>
               <a:t>Pretty good!</a:t>
             </a:r>
           </a:p>
-          <a:p>
-            <a:endParaRPr lang="en-US" dirty="0"/>
+        </p:txBody>
+      </p:sp>
+      <p:sp>
+        <p:nvSpPr>
+          <p:cNvPr id="2" name="Rectangle 1">
+            <a:extLst>
+              <a:ext uri="{FF2B5EF4-FFF2-40B4-BE49-F238E27FC236}">
+                <a16:creationId xmlns:a16="http://schemas.microsoft.com/office/drawing/2014/main" id="{03E7E7CD-2C73-4983-84FD-ED4711B542D4}"/>
+              </a:ext>
+            </a:extLst>
+          </p:cNvPr>
+          <p:cNvSpPr/>
+          <p:nvPr/>
+        </p:nvSpPr>
+        <p:spPr>
+          <a:xfrm>
+            <a:off x="7562850" y="1409700"/>
+            <a:ext cx="4506649" cy="2308324"/>
+          </a:xfrm>
+          <a:prstGeom prst="rect">
+            <a:avLst/>
+          </a:prstGeom>
+          <a:noFill/>
+        </p:spPr>
+        <p:txBody>
+          <a:bodyPr wrap="square" rtlCol="0">
+            <a:spAutoFit/>
+          </a:bodyPr>
+          <a:lstStyle/>
+          <a:p>
+            <a:r>
+              <a:rPr lang="en-US" sz="2400" dirty="0"/>
+              <a:t>Profit ratio = 1 means neither making nor losing money. </a:t>
+            </a:r>
+          </a:p>
+          <a:p>
+            <a:r>
+              <a:rPr lang="en-US" sz="2400" dirty="0"/>
+              <a:t>Profit ratio &lt; 1 means losing money.</a:t>
+            </a:r>
+          </a:p>
+          <a:p>
+            <a:r>
+              <a:rPr lang="en-US" sz="2400" dirty="0"/>
+              <a:t>Profit ratio &gt; 1 means making money.</a:t>
+            </a:r>
           </a:p>
         </p:txBody>
       </p:sp>

--- a/Mod1Project_Presentation_POAriston.pptx
+++ b/Mod1Project_Presentation_POAriston.pptx
@@ -6,7 +6,7 @@
     <p:sldMasterId id="2147483672" r:id="rId2"/>
   </p:sldMasterIdLst>
   <p:notesMasterIdLst>
-    <p:notesMasterId r:id="rId16"/>
+    <p:notesMasterId r:id="rId18"/>
   </p:notesMasterIdLst>
   <p:sldIdLst>
     <p:sldId id="256" r:id="rId3"/>
@@ -21,7 +21,9 @@
     <p:sldId id="489" r:id="rId12"/>
     <p:sldId id="494" r:id="rId13"/>
     <p:sldId id="488" r:id="rId14"/>
-    <p:sldId id="496" r:id="rId15"/>
+    <p:sldId id="502" r:id="rId15"/>
+    <p:sldId id="496" r:id="rId16"/>
+    <p:sldId id="503" r:id="rId17"/>
   </p:sldIdLst>
   <p:sldSz cx="12192000" cy="6858000"/>
   <p:notesSz cx="6858000" cy="9144000"/>
@@ -210,7 +212,7 @@
           <a:p>
             <a:fld id="{94A1F812-2F44-4AB9-9A7D-6BE65C1F42F4}" type="datetimeFigureOut">
               <a:rPr lang="en-US" smtClean="0"/>
-              <a:t>2/23/2020</a:t>
+              <a:t>2/25/2020</a:t>
             </a:fld>
             <a:endParaRPr lang="en-US"/>
           </a:p>
@@ -915,6 +917,79 @@
           <a:bodyPr/>
           <a:lstStyle/>
           <a:p>
+            <a:r>
+              <a:rPr lang="en-US" sz="1200" dirty="0">
+                <a:solidFill>
+                  <a:srgbClr val="000000"/>
+                </a:solidFill>
+              </a:rPr>
+              <a:t>The words "action", "story", "fun", "cast" and "entertaining" appear often in the reviews of profitable movies, but rarely in reviews of unsuccessful movies. They are likely to be characteristics contributing to success at the box office.</a:t>
+            </a:r>
+          </a:p>
+          <a:p>
+            <a:r>
+              <a:rPr lang="en-US" sz="1200" dirty="0">
+                <a:solidFill>
+                  <a:srgbClr val="000000"/>
+                </a:solidFill>
+              </a:rPr>
+              <a:t>The words "comedy" and "funny" appear more in successful movies’ reviews. So, they are also likely to be contributors to success.</a:t>
+            </a:r>
+          </a:p>
+          <a:p>
+            <a:r>
+              <a:rPr lang="en-US" sz="1200" dirty="0">
+                <a:solidFill>
+                  <a:srgbClr val="000000"/>
+                </a:solidFill>
+              </a:rPr>
+              <a:t>The words "characters" and "director" appear in both types of reviews but a bit more in unsuccessful movies. They must be key in making a movie successful or not. It seems they can almost equally "make or break" a movie.</a:t>
+            </a:r>
+          </a:p>
+          <a:p>
+            <a:r>
+              <a:rPr lang="en-US" sz="1200" dirty="0">
+                <a:solidFill>
+                  <a:srgbClr val="000000"/>
+                </a:solidFill>
+              </a:rPr>
+              <a:t>The words "drama", "performances", "love", "tale", "documentary", "emotional" and "interesting" are more difficult to interpret as they are very frequent only in unsuccessful movies’ reviews, but they are not inherently negative.</a:t>
+            </a:r>
+          </a:p>
+          <a:p>
+            <a:endParaRPr lang="en-US" sz="1200" dirty="0">
+              <a:solidFill>
+                <a:srgbClr val="000000"/>
+              </a:solidFill>
+            </a:endParaRPr>
+          </a:p>
+          <a:p>
+            <a:r>
+              <a:rPr lang="en-US" sz="1200" u="sng" dirty="0">
+                <a:solidFill>
+                  <a:srgbClr val="000000"/>
+                </a:solidFill>
+              </a:rPr>
+              <a:t>Conclusion:</a:t>
+            </a:r>
+          </a:p>
+          <a:p>
+            <a:r>
+              <a:rPr lang="en-US" sz="1200" dirty="0">
+                <a:solidFill>
+                  <a:srgbClr val="000000"/>
+                </a:solidFill>
+              </a:rPr>
+              <a:t>To make a successful movie, invest time and effort into the story and the cast. Make sure there is action and the movie is fun and entertaining. Include some romance and comedy bits. Make sure you have quality characters and choose the director wisely.</a:t>
+            </a:r>
+            <a:endParaRPr lang="en-US" sz="1200" i="0" dirty="0">
+              <a:solidFill>
+                <a:srgbClr val="000000"/>
+              </a:solidFill>
+              <a:effectLst/>
+            </a:endParaRPr>
+          </a:p>
+          <a:p>
             <a:pPr marL="0" marR="0" lvl="0" indent="0" algn="l" defTabSz="914400" rtl="0" eaLnBrk="1" fontAlgn="auto" latinLnBrk="0" hangingPunct="1">
               <a:lnSpc>
                 <a:spcPct val="100000"/>
@@ -932,25 +1007,37 @@
               <a:tabLst/>
               <a:defRPr/>
             </a:pPr>
-            <a:r>
-              <a:rPr lang="en-US" sz="1200" b="0" dirty="0">
-                <a:solidFill>
-                  <a:srgbClr val="000000"/>
-                </a:solidFill>
-                <a:latin typeface="Helvetica Neue"/>
-              </a:rPr>
-              <a:t>To make a successful movie, invest time and effort into the story and the cast. Make sure there is action and the movie is fun and entertaining. Include some funny comedy bits. Make sure you have quality characters and choose the director wisely.</a:t>
-            </a:r>
-            <a:endParaRPr lang="en-US" sz="1200" b="0" i="0" dirty="0">
+            <a:endParaRPr lang="en-US" sz="1200" b="0" dirty="0">
               <a:solidFill>
                 <a:srgbClr val="000000"/>
               </a:solidFill>
-              <a:effectLst/>
               <a:latin typeface="Helvetica Neue"/>
             </a:endParaRPr>
           </a:p>
           <a:p>
-            <a:endParaRPr lang="en-US" b="0" dirty="0"/>
+            <a:pPr marL="0" marR="0" lvl="0" indent="0" algn="l" defTabSz="914400" rtl="0" eaLnBrk="1" fontAlgn="auto" latinLnBrk="0" hangingPunct="1">
+              <a:lnSpc>
+                <a:spcPct val="100000"/>
+              </a:lnSpc>
+              <a:spcBef>
+                <a:spcPts val="0"/>
+              </a:spcBef>
+              <a:spcAft>
+                <a:spcPts val="0"/>
+              </a:spcAft>
+              <a:buClrTx/>
+              <a:buSzTx/>
+              <a:buFontTx/>
+              <a:buNone/>
+              <a:tabLst/>
+              <a:defRPr/>
+            </a:pPr>
+            <a:endParaRPr lang="en-US" sz="1200" b="0" dirty="0">
+              <a:solidFill>
+                <a:srgbClr val="000000"/>
+              </a:solidFill>
+              <a:latin typeface="Helvetica Neue"/>
+            </a:endParaRPr>
           </a:p>
         </p:txBody>
       </p:sp>
@@ -1035,12 +1122,126 @@
           <a:lstStyle/>
           <a:p>
             <a:r>
-              <a:rPr lang="en-US" dirty="0"/>
-              <a:t>There is future potential work for each of the 3 analysis.</a:t>
-            </a:r>
-          </a:p>
-          <a:p>
-            <a:endParaRPr lang="en-US" dirty="0"/>
+              <a:rPr lang="en-US" sz="1200" dirty="0">
+                <a:solidFill>
+                  <a:srgbClr val="000000"/>
+                </a:solidFill>
+              </a:rPr>
+              <a:t>The words "action", "story", "fun", "cast“, “romantic”, “thriller” and "entertaining" appear often in the reviews of profitable movies, but rarely in reviews of unsuccessful movies. They are likely to be characteristics contributing to success at the box office.</a:t>
+            </a:r>
+          </a:p>
+          <a:p>
+            <a:r>
+              <a:rPr lang="en-US" sz="1200" dirty="0">
+                <a:solidFill>
+                  <a:srgbClr val="000000"/>
+                </a:solidFill>
+              </a:rPr>
+              <a:t>The words "comedy" and "funny" appear more in successful movies’ reviews. So, they are also likely to be contributors to success.</a:t>
+            </a:r>
+          </a:p>
+          <a:p>
+            <a:r>
+              <a:rPr lang="en-US" sz="1200" dirty="0">
+                <a:solidFill>
+                  <a:srgbClr val="000000"/>
+                </a:solidFill>
+              </a:rPr>
+              <a:t>The words "characters" and "director" appear in both types of reviews but a bit more in unsuccessful movies. They must be key in making a movie successful or not. It seems they can almost equally "make or break" a movie.</a:t>
+            </a:r>
+          </a:p>
+          <a:p>
+            <a:r>
+              <a:rPr lang="en-US" sz="1200" dirty="0">
+                <a:solidFill>
+                  <a:srgbClr val="000000"/>
+                </a:solidFill>
+              </a:rPr>
+              <a:t>The words "drama", "performances", "love", "tale", "documentary", "emotional" and "interesting" are more difficult to interpret as they are very frequent only in unsuccessful movies’ reviews, but they are not inherently negative.</a:t>
+            </a:r>
+          </a:p>
+          <a:p>
+            <a:endParaRPr lang="en-US" sz="1200" dirty="0">
+              <a:solidFill>
+                <a:srgbClr val="000000"/>
+              </a:solidFill>
+            </a:endParaRPr>
+          </a:p>
+          <a:p>
+            <a:r>
+              <a:rPr lang="en-US" sz="1200" u="sng" dirty="0">
+                <a:solidFill>
+                  <a:srgbClr val="000000"/>
+                </a:solidFill>
+              </a:rPr>
+              <a:t>Conclusion:</a:t>
+            </a:r>
+          </a:p>
+          <a:p>
+            <a:r>
+              <a:rPr lang="en-US" sz="1200" dirty="0">
+                <a:solidFill>
+                  <a:srgbClr val="000000"/>
+                </a:solidFill>
+              </a:rPr>
+              <a:t>To make a successful movie, invest time and effort into the story and the cast. Make sure there is action and the movie is fun and entertaining. Include some funny comedy bits. Make sure you have quality characters and choose the director wisely.</a:t>
+            </a:r>
+            <a:endParaRPr lang="en-US" sz="1200" i="0" dirty="0">
+              <a:solidFill>
+                <a:srgbClr val="000000"/>
+              </a:solidFill>
+              <a:effectLst/>
+            </a:endParaRPr>
+          </a:p>
+          <a:p>
+            <a:pPr marL="0" marR="0" lvl="0" indent="0" algn="l" defTabSz="914400" rtl="0" eaLnBrk="1" fontAlgn="auto" latinLnBrk="0" hangingPunct="1">
+              <a:lnSpc>
+                <a:spcPct val="100000"/>
+              </a:lnSpc>
+              <a:spcBef>
+                <a:spcPts val="0"/>
+              </a:spcBef>
+              <a:spcAft>
+                <a:spcPts val="0"/>
+              </a:spcAft>
+              <a:buClrTx/>
+              <a:buSzTx/>
+              <a:buFontTx/>
+              <a:buNone/>
+              <a:tabLst/>
+              <a:defRPr/>
+            </a:pPr>
+            <a:endParaRPr lang="en-US" sz="1200" b="0" dirty="0">
+              <a:solidFill>
+                <a:srgbClr val="000000"/>
+              </a:solidFill>
+              <a:latin typeface="Helvetica Neue"/>
+            </a:endParaRPr>
+          </a:p>
+          <a:p>
+            <a:pPr marL="0" marR="0" lvl="0" indent="0" algn="l" defTabSz="914400" rtl="0" eaLnBrk="1" fontAlgn="auto" latinLnBrk="0" hangingPunct="1">
+              <a:lnSpc>
+                <a:spcPct val="100000"/>
+              </a:lnSpc>
+              <a:spcBef>
+                <a:spcPts val="0"/>
+              </a:spcBef>
+              <a:spcAft>
+                <a:spcPts val="0"/>
+              </a:spcAft>
+              <a:buClrTx/>
+              <a:buSzTx/>
+              <a:buFontTx/>
+              <a:buNone/>
+              <a:tabLst/>
+              <a:defRPr/>
+            </a:pPr>
+            <a:endParaRPr lang="en-US" sz="1200" b="0" dirty="0">
+              <a:solidFill>
+                <a:srgbClr val="000000"/>
+              </a:solidFill>
+              <a:latin typeface="Helvetica Neue"/>
+            </a:endParaRPr>
           </a:p>
         </p:txBody>
       </p:sp>
@@ -1062,6 +1263,143 @@
             <a:fld id="{35902B0E-18D0-4252-A482-5A56A06BA612}" type="slidenum">
               <a:rPr lang="en-US" smtClean="0"/>
               <a:t>13</a:t>
+            </a:fld>
+            <a:endParaRPr lang="en-US"/>
+          </a:p>
+        </p:txBody>
+      </p:sp>
+    </p:spTree>
+    <p:extLst>
+      <p:ext uri="{BB962C8B-B14F-4D97-AF65-F5344CB8AC3E}">
+        <p14:creationId xmlns:p14="http://schemas.microsoft.com/office/powerpoint/2010/main" val="221780191"/>
+      </p:ext>
+    </p:extLst>
+  </p:cSld>
+  <p:clrMapOvr>
+    <a:masterClrMapping/>
+  </p:clrMapOvr>
+</p:notes>
+</file>
+
+<file path=ppt/notesSlides/notesSlide14.xml><?xml version="1.0" encoding="utf-8"?>
+<p:notes xmlns:a="http://schemas.openxmlformats.org/drawingml/2006/main" xmlns:r="http://schemas.openxmlformats.org/officeDocument/2006/relationships" xmlns:p="http://schemas.openxmlformats.org/presentationml/2006/main">
+  <p:cSld>
+    <p:spTree>
+      <p:nvGrpSpPr>
+        <p:cNvPr id="1" name=""/>
+        <p:cNvGrpSpPr/>
+        <p:nvPr/>
+      </p:nvGrpSpPr>
+      <p:grpSpPr>
+        <a:xfrm>
+          <a:off x="0" y="0"/>
+          <a:ext cx="0" cy="0"/>
+          <a:chOff x="0" y="0"/>
+          <a:chExt cx="0" cy="0"/>
+        </a:xfrm>
+      </p:grpSpPr>
+      <p:sp>
+        <p:nvSpPr>
+          <p:cNvPr id="2" name="Slide Image Placeholder 1"/>
+          <p:cNvSpPr>
+            <a:spLocks noGrp="1" noRot="1" noChangeAspect="1"/>
+          </p:cNvSpPr>
+          <p:nvPr>
+            <p:ph type="sldImg"/>
+          </p:nvPr>
+        </p:nvSpPr>
+        <p:spPr/>
+      </p:sp>
+      <p:sp>
+        <p:nvSpPr>
+          <p:cNvPr id="3" name="Notes Placeholder 2"/>
+          <p:cNvSpPr>
+            <a:spLocks noGrp="1"/>
+          </p:cNvSpPr>
+          <p:nvPr>
+            <p:ph type="body" idx="1"/>
+          </p:nvPr>
+        </p:nvSpPr>
+        <p:spPr/>
+        <p:txBody>
+          <a:bodyPr/>
+          <a:lstStyle/>
+          <a:p>
+            <a:r>
+              <a:rPr lang="en-US" dirty="0"/>
+              <a:t>There is future potential work for each of the 3 analysis.</a:t>
+            </a:r>
+          </a:p>
+          <a:p>
+            <a:pPr marL="285750" indent="-285750">
+              <a:buFont typeface="Arial" panose="020B0604020202020204" pitchFamily="34" charset="0"/>
+              <a:buChar char="•"/>
+            </a:pPr>
+            <a:r>
+              <a:rPr lang="en-US" sz="1200" dirty="0"/>
+              <a:t>For the first analysis (overall rentability of movie industry) , our random movie selections end up most often with a profit ratio of 3. The Central Theorem predicts that this normal distribution should be centered around the population mean ~3.67. The discrepancy observed here should be the subject of further study. The first thing to do would be to increase the number of movies in the database.</a:t>
+            </a:r>
+          </a:p>
+          <a:p>
+            <a:pPr marL="285750" indent="-285750">
+              <a:buFont typeface="Arial" panose="020B0604020202020204" pitchFamily="34" charset="0"/>
+              <a:buChar char="•"/>
+            </a:pPr>
+            <a:endParaRPr lang="en-US" sz="1200" dirty="0"/>
+          </a:p>
+          <a:p>
+            <a:pPr marL="285750" indent="-285750">
+              <a:buFont typeface="Arial" panose="020B0604020202020204" pitchFamily="34" charset="0"/>
+              <a:buChar char="•"/>
+            </a:pPr>
+            <a:r>
+              <a:rPr lang="en-US" sz="1200" dirty="0"/>
+              <a:t>The second analysis about the genres  as predictors of success seems the most robust. The main improvement could come from the fact that movies have multiple genres assigned to them. We could try to find what is the dominant genre  and the secondary genres for each movie as  the dominant genre should be weighted more heavily. </a:t>
+            </a:r>
+          </a:p>
+          <a:p>
+            <a:pPr marL="285750" indent="-285750">
+              <a:buFont typeface="Arial" panose="020B0604020202020204" pitchFamily="34" charset="0"/>
+              <a:buChar char="•"/>
+            </a:pPr>
+            <a:endParaRPr lang="en-US" sz="1200" dirty="0"/>
+          </a:p>
+          <a:p>
+            <a:pPr marL="285750" indent="-285750">
+              <a:buFont typeface="Arial" panose="020B0604020202020204" pitchFamily="34" charset="0"/>
+              <a:buChar char="•"/>
+            </a:pPr>
+            <a:r>
+              <a:rPr lang="en-US" sz="1200" dirty="0"/>
+              <a:t>There is more room for interpretation in the third analysis (most used keywords in reviews). Potential further work could look in the review around the keywords we found and find the closest adverb or adjective. For example, in a good movie review we expect to find “realistic characters” and in a bad one, “simplistic characters”. </a:t>
+            </a:r>
+          </a:p>
+          <a:p>
+            <a:endParaRPr lang="en-US" dirty="0"/>
+          </a:p>
+          <a:p>
+            <a:endParaRPr lang="en-US" dirty="0"/>
+          </a:p>
+        </p:txBody>
+      </p:sp>
+      <p:sp>
+        <p:nvSpPr>
+          <p:cNvPr id="4" name="Slide Number Placeholder 3"/>
+          <p:cNvSpPr>
+            <a:spLocks noGrp="1"/>
+          </p:cNvSpPr>
+          <p:nvPr>
+            <p:ph type="sldNum" sz="quarter" idx="5"/>
+          </p:nvPr>
+        </p:nvSpPr>
+        <p:spPr/>
+        <p:txBody>
+          <a:bodyPr/>
+          <a:lstStyle/>
+          <a:p>
+            <a:fld id="{35902B0E-18D0-4252-A482-5A56A06BA612}" type="slidenum">
+              <a:rPr lang="en-US" smtClean="0"/>
+              <a:t>14</a:t>
             </a:fld>
             <a:endParaRPr lang="en-US"/>
           </a:p>
@@ -1290,6 +1628,41 @@
             </a:endParaRPr>
           </a:p>
           <a:p>
+            <a:pPr marL="0" marR="0" lvl="0" indent="0" algn="l" defTabSz="914400" rtl="0" eaLnBrk="1" fontAlgn="base" latinLnBrk="0" hangingPunct="1">
+              <a:lnSpc>
+                <a:spcPct val="100000"/>
+              </a:lnSpc>
+              <a:spcBef>
+                <a:spcPts val="0"/>
+              </a:spcBef>
+              <a:spcAft>
+                <a:spcPts val="0"/>
+              </a:spcAft>
+              <a:buClrTx/>
+              <a:buSzTx/>
+              <a:buFontTx/>
+              <a:buNone/>
+              <a:tabLst/>
+              <a:defRPr/>
+            </a:pPr>
+            <a:r>
+              <a:rPr lang="en-US" b="0" dirty="0"/>
+              <a:t>Feature Engineering: Explain that a profit ratio of 1 means neither make nor lose money. Smaller than 1 means lose money. Bigger than 1 means make money.</a:t>
+            </a:r>
+          </a:p>
+          <a:p>
+            <a:pPr fontAlgn="base"/>
+            <a:endParaRPr lang="en-US" sz="1200" b="0" i="0" kern="1200" dirty="0">
+              <a:solidFill>
+                <a:schemeClr val="tx1"/>
+              </a:solidFill>
+              <a:effectLst/>
+              <a:latin typeface="+mn-lt"/>
+              <a:ea typeface="+mn-ea"/>
+              <a:cs typeface="+mn-cs"/>
+            </a:endParaRPr>
+          </a:p>
+          <a:p>
             <a:r>
               <a:rPr lang="en-US" dirty="0"/>
               <a:t>Can we expect to make a profit as a starting inexperienced movie studio?</a:t>
@@ -1415,12 +1788,6 @@
         <p:txBody>
           <a:bodyPr/>
           <a:lstStyle/>
-          <a:p>
-            <a:r>
-              <a:rPr lang="en-US" b="0" dirty="0"/>
-              <a:t>Explain that a profit ratio of 1 means neither make nor lose money. Smaller than 1 means lose money. Bigger than 1 means make money.</a:t>
-            </a:r>
-          </a:p>
           <a:p>
             <a:r>
               <a:rPr lang="en-US" b="0" dirty="0"/>
@@ -3003,7 +3370,7 @@
           <a:p>
             <a:fld id="{8AEBC24F-FD8C-45FB-AAFC-D340DF994E46}" type="datetimeFigureOut">
               <a:rPr lang="en-US" smtClean="0"/>
-              <a:t>2/23/2020</a:t>
+              <a:t>2/25/2020</a:t>
             </a:fld>
             <a:endParaRPr lang="en-US"/>
           </a:p>
@@ -3173,7 +3540,7 @@
           <a:p>
             <a:fld id="{8AEBC24F-FD8C-45FB-AAFC-D340DF994E46}" type="datetimeFigureOut">
               <a:rPr lang="en-US" smtClean="0"/>
-              <a:t>2/23/2020</a:t>
+              <a:t>2/25/2020</a:t>
             </a:fld>
             <a:endParaRPr lang="en-US"/>
           </a:p>
@@ -3419,7 +3786,7 @@
           <a:p>
             <a:fld id="{8AEBC24F-FD8C-45FB-AAFC-D340DF994E46}" type="datetimeFigureOut">
               <a:rPr lang="en-US" smtClean="0"/>
-              <a:t>2/23/2020</a:t>
+              <a:t>2/25/2020</a:t>
             </a:fld>
             <a:endParaRPr lang="en-US"/>
           </a:p>
@@ -3651,7 +4018,7 @@
           <a:p>
             <a:fld id="{8AEBC24F-FD8C-45FB-AAFC-D340DF994E46}" type="datetimeFigureOut">
               <a:rPr lang="en-US" smtClean="0"/>
-              <a:t>2/23/2020</a:t>
+              <a:t>2/25/2020</a:t>
             </a:fld>
             <a:endParaRPr lang="en-US"/>
           </a:p>
@@ -4018,7 +4385,7 @@
           <a:p>
             <a:fld id="{8AEBC24F-FD8C-45FB-AAFC-D340DF994E46}" type="datetimeFigureOut">
               <a:rPr lang="en-US" smtClean="0"/>
-              <a:t>2/23/2020</a:t>
+              <a:t>2/25/2020</a:t>
             </a:fld>
             <a:endParaRPr lang="en-US"/>
           </a:p>
@@ -4136,7 +4503,7 @@
           <a:p>
             <a:fld id="{8AEBC24F-FD8C-45FB-AAFC-D340DF994E46}" type="datetimeFigureOut">
               <a:rPr lang="en-US" smtClean="0"/>
-              <a:t>2/23/2020</a:t>
+              <a:t>2/25/2020</a:t>
             </a:fld>
             <a:endParaRPr lang="en-US"/>
           </a:p>
@@ -4231,7 +4598,7 @@
           <a:p>
             <a:fld id="{8AEBC24F-FD8C-45FB-AAFC-D340DF994E46}" type="datetimeFigureOut">
               <a:rPr lang="en-US" smtClean="0"/>
-              <a:t>2/23/2020</a:t>
+              <a:t>2/25/2020</a:t>
             </a:fld>
             <a:endParaRPr lang="en-US"/>
           </a:p>
@@ -4508,7 +4875,7 @@
           <a:p>
             <a:fld id="{8AEBC24F-FD8C-45FB-AAFC-D340DF994E46}" type="datetimeFigureOut">
               <a:rPr lang="en-US" smtClean="0"/>
-              <a:t>2/23/2020</a:t>
+              <a:t>2/25/2020</a:t>
             </a:fld>
             <a:endParaRPr lang="en-US"/>
           </a:p>
@@ -4966,7 +5333,7 @@
           <a:p>
             <a:fld id="{8AEBC24F-FD8C-45FB-AAFC-D340DF994E46}" type="datetimeFigureOut">
               <a:rPr lang="en-US" smtClean="0"/>
-              <a:t>2/23/2020</a:t>
+              <a:t>2/25/2020</a:t>
             </a:fld>
             <a:endParaRPr lang="en-US"/>
           </a:p>
@@ -5136,7 +5503,7 @@
           <a:p>
             <a:fld id="{8AEBC24F-FD8C-45FB-AAFC-D340DF994E46}" type="datetimeFigureOut">
               <a:rPr lang="en-US" smtClean="0"/>
-              <a:t>2/23/2020</a:t>
+              <a:t>2/25/2020</a:t>
             </a:fld>
             <a:endParaRPr lang="en-US"/>
           </a:p>
@@ -5316,7 +5683,7 @@
           <a:p>
             <a:fld id="{8AEBC24F-FD8C-45FB-AAFC-D340DF994E46}" type="datetimeFigureOut">
               <a:rPr lang="en-US" smtClean="0"/>
-              <a:t>2/23/2020</a:t>
+              <a:t>2/25/2020</a:t>
             </a:fld>
             <a:endParaRPr lang="en-US"/>
           </a:p>
@@ -8279,7 +8646,7 @@
           <a:p>
             <a:fld id="{8AEBC24F-FD8C-45FB-AAFC-D340DF994E46}" type="datetimeFigureOut">
               <a:rPr lang="en-US" smtClean="0"/>
-              <a:t>2/23/2020</a:t>
+              <a:t>2/25/2020</a:t>
             </a:fld>
             <a:endParaRPr lang="en-US"/>
           </a:p>
@@ -9134,10 +9501,6 @@
             </a:endParaRPr>
           </a:p>
           <a:p>
-            <a:pPr marL="342900" indent="-342900">
-              <a:buFont typeface="Arial" panose="020B0604020202020204" pitchFamily="34" charset="0"/>
-              <a:buChar char="•"/>
-            </a:pPr>
             <a:r>
               <a:rPr lang="en-US" sz="2400" dirty="0">
                 <a:solidFill>
@@ -9192,10 +9555,6 @@
             </a:endParaRPr>
           </a:p>
           <a:p>
-            <a:pPr marL="342900" indent="-342900">
-              <a:buFont typeface="Arial" panose="020B0604020202020204" pitchFamily="34" charset="0"/>
-              <a:buChar char="•"/>
-            </a:pPr>
             <a:r>
               <a:rPr lang="en-US" sz="2400" dirty="0">
                 <a:solidFill>
@@ -10900,12 +11259,222 @@
           <a:chExt cx="0" cy="0"/>
         </a:xfrm>
       </p:grpSpPr>
+      <p:sp>
+        <p:nvSpPr>
+          <p:cNvPr id="3" name="TextBox 2">
+            <a:extLst>
+              <a:ext uri="{FF2B5EF4-FFF2-40B4-BE49-F238E27FC236}">
+                <a16:creationId xmlns:a16="http://schemas.microsoft.com/office/drawing/2014/main" id="{EBAA4F3A-6608-4D22-9612-E95C6136B908}"/>
+              </a:ext>
+            </a:extLst>
+          </p:cNvPr>
+          <p:cNvSpPr txBox="1"/>
+          <p:nvPr/>
+        </p:nvSpPr>
+        <p:spPr>
+          <a:xfrm>
+            <a:off x="0" y="0"/>
+            <a:ext cx="4257675" cy="1323975"/>
+          </a:xfrm>
+          <a:prstGeom prst="rect">
+            <a:avLst/>
+          </a:prstGeom>
+          <a:solidFill>
+            <a:schemeClr val="tx2"/>
+          </a:solidFill>
+          <a:ln>
+            <a:noFill/>
+          </a:ln>
+          <a:effectLst/>
+        </p:spPr>
+        <p:txBody>
+          <a:bodyPr vert="horz" wrap="square" lIns="720000" tIns="60960" rIns="121920" bIns="60960" numCol="1" anchor="ctr" anchorCtr="0" compatLnSpc="1">
+            <a:prstTxWarp prst="textNoShape">
+              <a:avLst/>
+            </a:prstTxWarp>
+          </a:bodyPr>
+          <a:lstStyle>
+            <a:defPPr>
+              <a:defRPr lang="en-US"/>
+            </a:defPPr>
+            <a:lvl1pPr defTabSz="1219170" fontAlgn="base">
+              <a:lnSpc>
+                <a:spcPct val="90000"/>
+              </a:lnSpc>
+              <a:spcBef>
+                <a:spcPct val="0"/>
+              </a:spcBef>
+              <a:spcAft>
+                <a:spcPct val="0"/>
+              </a:spcAft>
+              <a:defRPr sz="3733" kern="0">
+                <a:solidFill>
+                  <a:srgbClr val="FFFFFF"/>
+                </a:solidFill>
+                <a:latin typeface="Univers 45 Light"/>
+                <a:ea typeface="+mj-ea"/>
+                <a:cs typeface="Arial"/>
+              </a:defRPr>
+            </a:lvl1pPr>
+            <a:lvl2pPr fontAlgn="base">
+              <a:lnSpc>
+                <a:spcPct val="90000"/>
+              </a:lnSpc>
+              <a:spcBef>
+                <a:spcPct val="0"/>
+              </a:spcBef>
+              <a:spcAft>
+                <a:spcPct val="0"/>
+              </a:spcAft>
+              <a:defRPr sz="2800">
+                <a:solidFill>
+                  <a:schemeClr val="bg1"/>
+                </a:solidFill>
+                <a:latin typeface="Univers 45 Light" pitchFamily="2" charset="0"/>
+                <a:cs typeface="Arial" charset="0"/>
+              </a:defRPr>
+            </a:lvl2pPr>
+            <a:lvl3pPr fontAlgn="base">
+              <a:lnSpc>
+                <a:spcPct val="90000"/>
+              </a:lnSpc>
+              <a:spcBef>
+                <a:spcPct val="0"/>
+              </a:spcBef>
+              <a:spcAft>
+                <a:spcPct val="0"/>
+              </a:spcAft>
+              <a:defRPr sz="2800">
+                <a:solidFill>
+                  <a:schemeClr val="bg1"/>
+                </a:solidFill>
+                <a:latin typeface="Univers 45 Light" pitchFamily="2" charset="0"/>
+                <a:cs typeface="Arial" charset="0"/>
+              </a:defRPr>
+            </a:lvl3pPr>
+            <a:lvl4pPr fontAlgn="base">
+              <a:lnSpc>
+                <a:spcPct val="90000"/>
+              </a:lnSpc>
+              <a:spcBef>
+                <a:spcPct val="0"/>
+              </a:spcBef>
+              <a:spcAft>
+                <a:spcPct val="0"/>
+              </a:spcAft>
+              <a:defRPr sz="2800">
+                <a:solidFill>
+                  <a:schemeClr val="bg1"/>
+                </a:solidFill>
+                <a:latin typeface="Univers 45 Light" pitchFamily="2" charset="0"/>
+                <a:cs typeface="Arial" charset="0"/>
+              </a:defRPr>
+            </a:lvl4pPr>
+            <a:lvl5pPr fontAlgn="base">
+              <a:lnSpc>
+                <a:spcPct val="90000"/>
+              </a:lnSpc>
+              <a:spcBef>
+                <a:spcPct val="0"/>
+              </a:spcBef>
+              <a:spcAft>
+                <a:spcPct val="0"/>
+              </a:spcAft>
+              <a:defRPr sz="2800">
+                <a:solidFill>
+                  <a:schemeClr val="bg1"/>
+                </a:solidFill>
+                <a:latin typeface="Univers 45 Light" pitchFamily="2" charset="0"/>
+                <a:cs typeface="Arial" charset="0"/>
+              </a:defRPr>
+            </a:lvl5pPr>
+            <a:lvl6pPr marL="457200" fontAlgn="base">
+              <a:lnSpc>
+                <a:spcPct val="90000"/>
+              </a:lnSpc>
+              <a:spcBef>
+                <a:spcPct val="0"/>
+              </a:spcBef>
+              <a:spcAft>
+                <a:spcPct val="0"/>
+              </a:spcAft>
+              <a:defRPr sz="2800">
+                <a:solidFill>
+                  <a:schemeClr val="bg1"/>
+                </a:solidFill>
+                <a:latin typeface="Univers 45 Light" pitchFamily="2" charset="0"/>
+                <a:cs typeface="Arial" charset="0"/>
+              </a:defRPr>
+            </a:lvl6pPr>
+            <a:lvl7pPr marL="914400" fontAlgn="base">
+              <a:lnSpc>
+                <a:spcPct val="90000"/>
+              </a:lnSpc>
+              <a:spcBef>
+                <a:spcPct val="0"/>
+              </a:spcBef>
+              <a:spcAft>
+                <a:spcPct val="0"/>
+              </a:spcAft>
+              <a:defRPr sz="2800">
+                <a:solidFill>
+                  <a:schemeClr val="bg1"/>
+                </a:solidFill>
+                <a:latin typeface="Univers 45 Light" pitchFamily="2" charset="0"/>
+                <a:cs typeface="Arial" charset="0"/>
+              </a:defRPr>
+            </a:lvl7pPr>
+            <a:lvl8pPr marL="1371600" fontAlgn="base">
+              <a:lnSpc>
+                <a:spcPct val="90000"/>
+              </a:lnSpc>
+              <a:spcBef>
+                <a:spcPct val="0"/>
+              </a:spcBef>
+              <a:spcAft>
+                <a:spcPct val="0"/>
+              </a:spcAft>
+              <a:defRPr sz="2800">
+                <a:solidFill>
+                  <a:schemeClr val="bg1"/>
+                </a:solidFill>
+                <a:latin typeface="Univers 45 Light" pitchFamily="2" charset="0"/>
+                <a:cs typeface="Arial" charset="0"/>
+              </a:defRPr>
+            </a:lvl8pPr>
+            <a:lvl9pPr marL="1828800" fontAlgn="base">
+              <a:lnSpc>
+                <a:spcPct val="90000"/>
+              </a:lnSpc>
+              <a:spcBef>
+                <a:spcPct val="0"/>
+              </a:spcBef>
+              <a:spcAft>
+                <a:spcPct val="0"/>
+              </a:spcAft>
+              <a:defRPr sz="2800">
+                <a:solidFill>
+                  <a:schemeClr val="bg1"/>
+                </a:solidFill>
+                <a:latin typeface="Univers 45 Light" pitchFamily="2" charset="0"/>
+                <a:cs typeface="Arial" charset="0"/>
+              </a:defRPr>
+            </a:lvl9pPr>
+          </a:lstStyle>
+          <a:p>
+            <a:r>
+              <a:rPr lang="en-US" dirty="0"/>
+              <a:t>Findings 3/3</a:t>
+            </a:r>
+          </a:p>
+        </p:txBody>
+      </p:sp>
       <p:pic>
         <p:nvPicPr>
-          <p:cNvPr id="1026" name="Picture 2">
+          <p:cNvPr id="17" name="Picture 2">
             <a:extLst>
               <a:ext uri="{FF2B5EF4-FFF2-40B4-BE49-F238E27FC236}">
-                <a16:creationId xmlns:a16="http://schemas.microsoft.com/office/drawing/2014/main" id="{B3743F06-F2BD-4940-B215-A749969ED7FA}"/>
+                <a16:creationId xmlns:a16="http://schemas.microsoft.com/office/drawing/2014/main" id="{70704B1F-6B51-4F90-A9AD-FC9BE2272D6E}"/>
               </a:ext>
             </a:extLst>
           </p:cNvPr>
@@ -10929,8 +11498,8 @@
         </p:blipFill>
         <p:spPr bwMode="auto">
           <a:xfrm>
-            <a:off x="5248275" y="0"/>
-            <a:ext cx="6799263" cy="6858000"/>
+            <a:off x="4257674" y="0"/>
+            <a:ext cx="8003777" cy="7048982"/>
           </a:xfrm>
           <a:prstGeom prst="rect">
             <a:avLst/>
@@ -10949,220 +11518,10 @@
       </p:pic>
       <p:sp>
         <p:nvSpPr>
-          <p:cNvPr id="3" name="TextBox 2">
+          <p:cNvPr id="19" name="Oval 18">
             <a:extLst>
               <a:ext uri="{FF2B5EF4-FFF2-40B4-BE49-F238E27FC236}">
-                <a16:creationId xmlns:a16="http://schemas.microsoft.com/office/drawing/2014/main" id="{EBAA4F3A-6608-4D22-9612-E95C6136B908}"/>
-              </a:ext>
-            </a:extLst>
-          </p:cNvPr>
-          <p:cNvSpPr txBox="1"/>
-          <p:nvPr/>
-        </p:nvSpPr>
-        <p:spPr>
-          <a:xfrm>
-            <a:off x="0" y="0"/>
-            <a:ext cx="4257675" cy="1323975"/>
-          </a:xfrm>
-          <a:prstGeom prst="rect">
-            <a:avLst/>
-          </a:prstGeom>
-          <a:solidFill>
-            <a:schemeClr val="tx2"/>
-          </a:solidFill>
-          <a:ln>
-            <a:noFill/>
-          </a:ln>
-          <a:effectLst/>
-        </p:spPr>
-        <p:txBody>
-          <a:bodyPr vert="horz" wrap="square" lIns="720000" tIns="60960" rIns="121920" bIns="60960" numCol="1" anchor="ctr" anchorCtr="0" compatLnSpc="1">
-            <a:prstTxWarp prst="textNoShape">
-              <a:avLst/>
-            </a:prstTxWarp>
-          </a:bodyPr>
-          <a:lstStyle>
-            <a:defPPr>
-              <a:defRPr lang="en-US"/>
-            </a:defPPr>
-            <a:lvl1pPr defTabSz="1219170" fontAlgn="base">
-              <a:lnSpc>
-                <a:spcPct val="90000"/>
-              </a:lnSpc>
-              <a:spcBef>
-                <a:spcPct val="0"/>
-              </a:spcBef>
-              <a:spcAft>
-                <a:spcPct val="0"/>
-              </a:spcAft>
-              <a:defRPr sz="3733" kern="0">
-                <a:solidFill>
-                  <a:srgbClr val="FFFFFF"/>
-                </a:solidFill>
-                <a:latin typeface="Univers 45 Light"/>
-                <a:ea typeface="+mj-ea"/>
-                <a:cs typeface="Arial"/>
-              </a:defRPr>
-            </a:lvl1pPr>
-            <a:lvl2pPr fontAlgn="base">
-              <a:lnSpc>
-                <a:spcPct val="90000"/>
-              </a:lnSpc>
-              <a:spcBef>
-                <a:spcPct val="0"/>
-              </a:spcBef>
-              <a:spcAft>
-                <a:spcPct val="0"/>
-              </a:spcAft>
-              <a:defRPr sz="2800">
-                <a:solidFill>
-                  <a:schemeClr val="bg1"/>
-                </a:solidFill>
-                <a:latin typeface="Univers 45 Light" pitchFamily="2" charset="0"/>
-                <a:cs typeface="Arial" charset="0"/>
-              </a:defRPr>
-            </a:lvl2pPr>
-            <a:lvl3pPr fontAlgn="base">
-              <a:lnSpc>
-                <a:spcPct val="90000"/>
-              </a:lnSpc>
-              <a:spcBef>
-                <a:spcPct val="0"/>
-              </a:spcBef>
-              <a:spcAft>
-                <a:spcPct val="0"/>
-              </a:spcAft>
-              <a:defRPr sz="2800">
-                <a:solidFill>
-                  <a:schemeClr val="bg1"/>
-                </a:solidFill>
-                <a:latin typeface="Univers 45 Light" pitchFamily="2" charset="0"/>
-                <a:cs typeface="Arial" charset="0"/>
-              </a:defRPr>
-            </a:lvl3pPr>
-            <a:lvl4pPr fontAlgn="base">
-              <a:lnSpc>
-                <a:spcPct val="90000"/>
-              </a:lnSpc>
-              <a:spcBef>
-                <a:spcPct val="0"/>
-              </a:spcBef>
-              <a:spcAft>
-                <a:spcPct val="0"/>
-              </a:spcAft>
-              <a:defRPr sz="2800">
-                <a:solidFill>
-                  <a:schemeClr val="bg1"/>
-                </a:solidFill>
-                <a:latin typeface="Univers 45 Light" pitchFamily="2" charset="0"/>
-                <a:cs typeface="Arial" charset="0"/>
-              </a:defRPr>
-            </a:lvl4pPr>
-            <a:lvl5pPr fontAlgn="base">
-              <a:lnSpc>
-                <a:spcPct val="90000"/>
-              </a:lnSpc>
-              <a:spcBef>
-                <a:spcPct val="0"/>
-              </a:spcBef>
-              <a:spcAft>
-                <a:spcPct val="0"/>
-              </a:spcAft>
-              <a:defRPr sz="2800">
-                <a:solidFill>
-                  <a:schemeClr val="bg1"/>
-                </a:solidFill>
-                <a:latin typeface="Univers 45 Light" pitchFamily="2" charset="0"/>
-                <a:cs typeface="Arial" charset="0"/>
-              </a:defRPr>
-            </a:lvl5pPr>
-            <a:lvl6pPr marL="457200" fontAlgn="base">
-              <a:lnSpc>
-                <a:spcPct val="90000"/>
-              </a:lnSpc>
-              <a:spcBef>
-                <a:spcPct val="0"/>
-              </a:spcBef>
-              <a:spcAft>
-                <a:spcPct val="0"/>
-              </a:spcAft>
-              <a:defRPr sz="2800">
-                <a:solidFill>
-                  <a:schemeClr val="bg1"/>
-                </a:solidFill>
-                <a:latin typeface="Univers 45 Light" pitchFamily="2" charset="0"/>
-                <a:cs typeface="Arial" charset="0"/>
-              </a:defRPr>
-            </a:lvl6pPr>
-            <a:lvl7pPr marL="914400" fontAlgn="base">
-              <a:lnSpc>
-                <a:spcPct val="90000"/>
-              </a:lnSpc>
-              <a:spcBef>
-                <a:spcPct val="0"/>
-              </a:spcBef>
-              <a:spcAft>
-                <a:spcPct val="0"/>
-              </a:spcAft>
-              <a:defRPr sz="2800">
-                <a:solidFill>
-                  <a:schemeClr val="bg1"/>
-                </a:solidFill>
-                <a:latin typeface="Univers 45 Light" pitchFamily="2" charset="0"/>
-                <a:cs typeface="Arial" charset="0"/>
-              </a:defRPr>
-            </a:lvl7pPr>
-            <a:lvl8pPr marL="1371600" fontAlgn="base">
-              <a:lnSpc>
-                <a:spcPct val="90000"/>
-              </a:lnSpc>
-              <a:spcBef>
-                <a:spcPct val="0"/>
-              </a:spcBef>
-              <a:spcAft>
-                <a:spcPct val="0"/>
-              </a:spcAft>
-              <a:defRPr sz="2800">
-                <a:solidFill>
-                  <a:schemeClr val="bg1"/>
-                </a:solidFill>
-                <a:latin typeface="Univers 45 Light" pitchFamily="2" charset="0"/>
-                <a:cs typeface="Arial" charset="0"/>
-              </a:defRPr>
-            </a:lvl8pPr>
-            <a:lvl9pPr marL="1828800" fontAlgn="base">
-              <a:lnSpc>
-                <a:spcPct val="90000"/>
-              </a:lnSpc>
-              <a:spcBef>
-                <a:spcPct val="0"/>
-              </a:spcBef>
-              <a:spcAft>
-                <a:spcPct val="0"/>
-              </a:spcAft>
-              <a:defRPr sz="2800">
-                <a:solidFill>
-                  <a:schemeClr val="bg1"/>
-                </a:solidFill>
-                <a:latin typeface="Univers 45 Light" pitchFamily="2" charset="0"/>
-                <a:cs typeface="Arial" charset="0"/>
-              </a:defRPr>
-            </a:lvl9pPr>
-          </a:lstStyle>
-          <a:p>
-            <a:r>
-              <a:rPr lang="en-US" dirty="0"/>
-              <a:t>Findings 3/3</a:t>
-            </a:r>
-          </a:p>
-        </p:txBody>
-      </p:sp>
-      <p:sp>
-        <p:nvSpPr>
-          <p:cNvPr id="2" name="Rectangle 1">
-            <a:extLst>
-              <a:ext uri="{FF2B5EF4-FFF2-40B4-BE49-F238E27FC236}">
-                <a16:creationId xmlns:a16="http://schemas.microsoft.com/office/drawing/2014/main" id="{2FE256C4-7409-4F4B-A54A-65620F4FC993}"/>
+                <a16:creationId xmlns:a16="http://schemas.microsoft.com/office/drawing/2014/main" id="{9A65317D-A43D-40E9-ADC2-A543BEF06C4B}"/>
               </a:ext>
             </a:extLst>
           </p:cNvPr>
@@ -11170,99 +11529,584 @@
           <p:nvPr/>
         </p:nvSpPr>
         <p:spPr>
-          <a:xfrm>
-            <a:off x="0" y="1463397"/>
-            <a:ext cx="5248275" cy="5262979"/>
+          <a:xfrm rot="1123507">
+            <a:off x="5042290" y="5953360"/>
+            <a:ext cx="335666" cy="873889"/>
           </a:xfrm>
-          <a:prstGeom prst="rect">
+          <a:prstGeom prst="ellipse">
             <a:avLst/>
           </a:prstGeom>
+          <a:solidFill>
+            <a:srgbClr val="4472C4">
+              <a:alpha val="40000"/>
+            </a:srgbClr>
+          </a:solidFill>
+          <a:ln>
+            <a:noFill/>
+          </a:ln>
         </p:spPr>
-        <p:txBody>
-          <a:bodyPr wrap="square">
-            <a:spAutoFit/>
-          </a:bodyPr>
+        <p:style>
+          <a:lnRef idx="2">
+            <a:schemeClr val="accent1">
+              <a:shade val="50000"/>
+            </a:schemeClr>
+          </a:lnRef>
+          <a:fillRef idx="1">
+            <a:schemeClr val="accent1"/>
+          </a:fillRef>
+          <a:effectRef idx="0">
+            <a:schemeClr val="accent1"/>
+          </a:effectRef>
+          <a:fontRef idx="minor">
+            <a:schemeClr val="lt1"/>
+          </a:fontRef>
+        </p:style>
+        <p:txBody>
+          <a:bodyPr rtlCol="0" anchor="ctr"/>
           <a:lstStyle/>
           <a:p>
-            <a:r>
-              <a:rPr lang="en-US" sz="1400" b="1" dirty="0">
-                <a:solidFill>
-                  <a:srgbClr val="000000"/>
-                </a:solidFill>
-                <a:latin typeface="Helvetica Neue"/>
-              </a:rPr>
-              <a:t>The words "action", "story", "fun", "cast" and "entertaining" appear often in the reviews of profitable movies, but rarely in reviews of unsuccessful movies. They are likely to be characteristics contributing to success at the box office.</a:t>
-            </a:r>
-          </a:p>
-          <a:p>
-            <a:r>
-              <a:rPr lang="en-US" sz="1400" b="1" dirty="0">
-                <a:solidFill>
-                  <a:srgbClr val="000000"/>
-                </a:solidFill>
-                <a:latin typeface="Helvetica Neue"/>
-              </a:rPr>
-              <a:t>The words "comedy" and "funny" appear more in successful movies’ reviews. So, they are also likely to be contributors to success.</a:t>
-            </a:r>
-          </a:p>
-          <a:p>
-            <a:r>
-              <a:rPr lang="en-US" sz="1400" b="1" dirty="0">
-                <a:solidFill>
-                  <a:srgbClr val="000000"/>
-                </a:solidFill>
-                <a:latin typeface="Helvetica Neue"/>
-              </a:rPr>
-              <a:t>The words "characters" and "director" appear in both types of reviews but a bit more in unsuccessful movies. They must be key in making a movie successful or not. It seems they can almost equally "make or break" a movie.</a:t>
-            </a:r>
-          </a:p>
-          <a:p>
-            <a:r>
-              <a:rPr lang="en-US" sz="1400" b="1" dirty="0">
-                <a:solidFill>
-                  <a:srgbClr val="000000"/>
-                </a:solidFill>
-                <a:latin typeface="Helvetica Neue"/>
-              </a:rPr>
-              <a:t>The words "drama", "performances", "love", "tale", "documentary", "emotional" and "interesting" are more difficult to interpret as they are very frequent only in unsuccessful movies’ reviews, but they are not inherently negative.</a:t>
-            </a:r>
-          </a:p>
-          <a:p>
-            <a:endParaRPr lang="en-US" sz="1400" b="1" dirty="0">
-              <a:solidFill>
-                <a:srgbClr val="000000"/>
-              </a:solidFill>
-              <a:latin typeface="Helvetica Neue"/>
-            </a:endParaRPr>
-          </a:p>
-          <a:p>
-            <a:r>
-              <a:rPr lang="en-US" sz="1400" b="1" u="sng" dirty="0">
-                <a:solidFill>
-                  <a:srgbClr val="000000"/>
-                </a:solidFill>
-                <a:latin typeface="Helvetica Neue"/>
-              </a:rPr>
-              <a:t>Conclusion:</a:t>
-            </a:r>
-          </a:p>
-          <a:p>
-            <a:r>
-              <a:rPr lang="en-US" sz="1400" b="1" dirty="0">
-                <a:solidFill>
-                  <a:srgbClr val="000000"/>
-                </a:solidFill>
-                <a:latin typeface="Helvetica Neue"/>
-              </a:rPr>
-              <a:t>To make a successful movie, invest time and effort into the story and the cast. Make sure there is action and the movie is fun and entertaining. Include some funny comedy bits. Make sure you have quality characters and choose the director wisely.</a:t>
-            </a:r>
-            <a:endParaRPr lang="en-US" sz="1400" b="1" i="0" dirty="0">
-              <a:solidFill>
-                <a:srgbClr val="000000"/>
-              </a:solidFill>
-              <a:effectLst/>
-              <a:latin typeface="Helvetica Neue"/>
-            </a:endParaRPr>
+            <a:pPr algn="ctr"/>
+            <a:endParaRPr lang="en-US"/>
+          </a:p>
+        </p:txBody>
+      </p:sp>
+      <p:sp>
+        <p:nvSpPr>
+          <p:cNvPr id="20" name="Oval 19">
+            <a:extLst>
+              <a:ext uri="{FF2B5EF4-FFF2-40B4-BE49-F238E27FC236}">
+                <a16:creationId xmlns:a16="http://schemas.microsoft.com/office/drawing/2014/main" id="{9D05E5A5-0466-4965-9CDE-4EE083B048E0}"/>
+              </a:ext>
+            </a:extLst>
+          </p:cNvPr>
+          <p:cNvSpPr/>
+          <p:nvPr/>
+        </p:nvSpPr>
+        <p:spPr>
+          <a:xfrm rot="1123507">
+            <a:off x="6101799" y="5955284"/>
+            <a:ext cx="335666" cy="873889"/>
+          </a:xfrm>
+          <a:prstGeom prst="ellipse">
+            <a:avLst/>
+          </a:prstGeom>
+          <a:solidFill>
+            <a:srgbClr val="4472C4">
+              <a:alpha val="40000"/>
+            </a:srgbClr>
+          </a:solidFill>
+          <a:ln>
+            <a:noFill/>
+          </a:ln>
+        </p:spPr>
+        <p:style>
+          <a:lnRef idx="2">
+            <a:schemeClr val="accent1">
+              <a:shade val="50000"/>
+            </a:schemeClr>
+          </a:lnRef>
+          <a:fillRef idx="1">
+            <a:schemeClr val="accent1"/>
+          </a:fillRef>
+          <a:effectRef idx="0">
+            <a:schemeClr val="accent1"/>
+          </a:effectRef>
+          <a:fontRef idx="minor">
+            <a:schemeClr val="lt1"/>
+          </a:fontRef>
+        </p:style>
+        <p:txBody>
+          <a:bodyPr rtlCol="0" anchor="ctr"/>
+          <a:lstStyle/>
+          <a:p>
+            <a:pPr algn="ctr"/>
+            <a:endParaRPr lang="en-US" dirty="0"/>
+          </a:p>
+        </p:txBody>
+      </p:sp>
+      <p:sp>
+        <p:nvSpPr>
+          <p:cNvPr id="21" name="Oval 20">
+            <a:extLst>
+              <a:ext uri="{FF2B5EF4-FFF2-40B4-BE49-F238E27FC236}">
+                <a16:creationId xmlns:a16="http://schemas.microsoft.com/office/drawing/2014/main" id="{843A2BCD-F0C7-4B1A-A1BC-EABA0C1C194C}"/>
+              </a:ext>
+            </a:extLst>
+          </p:cNvPr>
+          <p:cNvSpPr/>
+          <p:nvPr/>
+        </p:nvSpPr>
+        <p:spPr>
+          <a:xfrm rot="1123507">
+            <a:off x="6867663" y="5934059"/>
+            <a:ext cx="335666" cy="873889"/>
+          </a:xfrm>
+          <a:prstGeom prst="ellipse">
+            <a:avLst/>
+          </a:prstGeom>
+          <a:solidFill>
+            <a:srgbClr val="4472C4">
+              <a:alpha val="40000"/>
+            </a:srgbClr>
+          </a:solidFill>
+          <a:ln>
+            <a:noFill/>
+          </a:ln>
+        </p:spPr>
+        <p:style>
+          <a:lnRef idx="2">
+            <a:schemeClr val="accent1">
+              <a:shade val="50000"/>
+            </a:schemeClr>
+          </a:lnRef>
+          <a:fillRef idx="1">
+            <a:schemeClr val="accent1"/>
+          </a:fillRef>
+          <a:effectRef idx="0">
+            <a:schemeClr val="accent1"/>
+          </a:effectRef>
+          <a:fontRef idx="minor">
+            <a:schemeClr val="lt1"/>
+          </a:fontRef>
+        </p:style>
+        <p:txBody>
+          <a:bodyPr rtlCol="0" anchor="ctr"/>
+          <a:lstStyle/>
+          <a:p>
+            <a:pPr algn="ctr"/>
+            <a:endParaRPr lang="en-US"/>
+          </a:p>
+        </p:txBody>
+      </p:sp>
+      <p:sp>
+        <p:nvSpPr>
+          <p:cNvPr id="22" name="Oval 21">
+            <a:extLst>
+              <a:ext uri="{FF2B5EF4-FFF2-40B4-BE49-F238E27FC236}">
+                <a16:creationId xmlns:a16="http://schemas.microsoft.com/office/drawing/2014/main" id="{B087AE61-0111-4868-B9B4-0BA7CA3672A6}"/>
+              </a:ext>
+            </a:extLst>
+          </p:cNvPr>
+          <p:cNvSpPr/>
+          <p:nvPr/>
+        </p:nvSpPr>
+        <p:spPr>
+          <a:xfrm rot="1123507">
+            <a:off x="7560441" y="5953360"/>
+            <a:ext cx="335666" cy="873889"/>
+          </a:xfrm>
+          <a:prstGeom prst="ellipse">
+            <a:avLst/>
+          </a:prstGeom>
+          <a:solidFill>
+            <a:srgbClr val="4472C4">
+              <a:alpha val="40000"/>
+            </a:srgbClr>
+          </a:solidFill>
+          <a:ln>
+            <a:noFill/>
+          </a:ln>
+        </p:spPr>
+        <p:style>
+          <a:lnRef idx="2">
+            <a:schemeClr val="accent1">
+              <a:shade val="50000"/>
+            </a:schemeClr>
+          </a:lnRef>
+          <a:fillRef idx="1">
+            <a:schemeClr val="accent1"/>
+          </a:fillRef>
+          <a:effectRef idx="0">
+            <a:schemeClr val="accent1"/>
+          </a:effectRef>
+          <a:fontRef idx="minor">
+            <a:schemeClr val="lt1"/>
+          </a:fontRef>
+        </p:style>
+        <p:txBody>
+          <a:bodyPr rtlCol="0" anchor="ctr"/>
+          <a:lstStyle/>
+          <a:p>
+            <a:pPr algn="ctr"/>
+            <a:endParaRPr lang="en-US"/>
+          </a:p>
+        </p:txBody>
+      </p:sp>
+      <p:sp>
+        <p:nvSpPr>
+          <p:cNvPr id="23" name="Oval 22">
+            <a:extLst>
+              <a:ext uri="{FF2B5EF4-FFF2-40B4-BE49-F238E27FC236}">
+                <a16:creationId xmlns:a16="http://schemas.microsoft.com/office/drawing/2014/main" id="{D3FFCB8F-2825-433E-A265-05312E7113D8}"/>
+              </a:ext>
+            </a:extLst>
+          </p:cNvPr>
+          <p:cNvSpPr/>
+          <p:nvPr/>
+        </p:nvSpPr>
+        <p:spPr>
+          <a:xfrm rot="1123507">
+            <a:off x="7921190" y="5932139"/>
+            <a:ext cx="335666" cy="873889"/>
+          </a:xfrm>
+          <a:prstGeom prst="ellipse">
+            <a:avLst/>
+          </a:prstGeom>
+          <a:solidFill>
+            <a:srgbClr val="4472C4">
+              <a:alpha val="40000"/>
+            </a:srgbClr>
+          </a:solidFill>
+          <a:ln>
+            <a:noFill/>
+          </a:ln>
+        </p:spPr>
+        <p:style>
+          <a:lnRef idx="2">
+            <a:schemeClr val="accent1">
+              <a:shade val="50000"/>
+            </a:schemeClr>
+          </a:lnRef>
+          <a:fillRef idx="1">
+            <a:schemeClr val="accent1"/>
+          </a:fillRef>
+          <a:effectRef idx="0">
+            <a:schemeClr val="accent1"/>
+          </a:effectRef>
+          <a:fontRef idx="minor">
+            <a:schemeClr val="lt1"/>
+          </a:fontRef>
+        </p:style>
+        <p:txBody>
+          <a:bodyPr rtlCol="0" anchor="ctr"/>
+          <a:lstStyle/>
+          <a:p>
+            <a:pPr algn="ctr"/>
+            <a:endParaRPr lang="en-US"/>
+          </a:p>
+        </p:txBody>
+      </p:sp>
+      <p:sp>
+        <p:nvSpPr>
+          <p:cNvPr id="24" name="Oval 23">
+            <a:extLst>
+              <a:ext uri="{FF2B5EF4-FFF2-40B4-BE49-F238E27FC236}">
+                <a16:creationId xmlns:a16="http://schemas.microsoft.com/office/drawing/2014/main" id="{E4210B77-B5FA-49BE-B2A5-C46E78F0ED1D}"/>
+              </a:ext>
+            </a:extLst>
+          </p:cNvPr>
+          <p:cNvSpPr/>
+          <p:nvPr/>
+        </p:nvSpPr>
+        <p:spPr>
+          <a:xfrm rot="1123507">
+            <a:off x="8328232" y="5957217"/>
+            <a:ext cx="335666" cy="873889"/>
+          </a:xfrm>
+          <a:prstGeom prst="ellipse">
+            <a:avLst/>
+          </a:prstGeom>
+          <a:solidFill>
+            <a:srgbClr val="4472C4">
+              <a:alpha val="40000"/>
+            </a:srgbClr>
+          </a:solidFill>
+          <a:ln>
+            <a:noFill/>
+          </a:ln>
+        </p:spPr>
+        <p:style>
+          <a:lnRef idx="2">
+            <a:schemeClr val="accent1">
+              <a:shade val="50000"/>
+            </a:schemeClr>
+          </a:lnRef>
+          <a:fillRef idx="1">
+            <a:schemeClr val="accent1"/>
+          </a:fillRef>
+          <a:effectRef idx="0">
+            <a:schemeClr val="accent1"/>
+          </a:effectRef>
+          <a:fontRef idx="minor">
+            <a:schemeClr val="lt1"/>
+          </a:fontRef>
+        </p:style>
+        <p:txBody>
+          <a:bodyPr rtlCol="0" anchor="ctr"/>
+          <a:lstStyle/>
+          <a:p>
+            <a:pPr algn="ctr"/>
+            <a:endParaRPr lang="en-US"/>
+          </a:p>
+        </p:txBody>
+      </p:sp>
+      <p:sp>
+        <p:nvSpPr>
+          <p:cNvPr id="25" name="Oval 24">
+            <a:extLst>
+              <a:ext uri="{FF2B5EF4-FFF2-40B4-BE49-F238E27FC236}">
+                <a16:creationId xmlns:a16="http://schemas.microsoft.com/office/drawing/2014/main" id="{9AD0304B-A75F-4D30-B41E-F8D04D71791A}"/>
+              </a:ext>
+            </a:extLst>
+          </p:cNvPr>
+          <p:cNvSpPr/>
+          <p:nvPr/>
+        </p:nvSpPr>
+        <p:spPr>
+          <a:xfrm rot="1123507">
+            <a:off x="5406789" y="5944799"/>
+            <a:ext cx="335666" cy="873889"/>
+          </a:xfrm>
+          <a:prstGeom prst="ellipse">
+            <a:avLst/>
+          </a:prstGeom>
+          <a:solidFill>
+            <a:schemeClr val="accent2">
+              <a:alpha val="40000"/>
+            </a:schemeClr>
+          </a:solidFill>
+          <a:ln>
+            <a:noFill/>
+          </a:ln>
+        </p:spPr>
+        <p:style>
+          <a:lnRef idx="2">
+            <a:schemeClr val="accent1">
+              <a:shade val="50000"/>
+            </a:schemeClr>
+          </a:lnRef>
+          <a:fillRef idx="1">
+            <a:schemeClr val="accent1"/>
+          </a:fillRef>
+          <a:effectRef idx="0">
+            <a:schemeClr val="accent1"/>
+          </a:effectRef>
+          <a:fontRef idx="minor">
+            <a:schemeClr val="lt1"/>
+          </a:fontRef>
+        </p:style>
+        <p:txBody>
+          <a:bodyPr rtlCol="0" anchor="ctr"/>
+          <a:lstStyle/>
+          <a:p>
+            <a:pPr algn="ctr"/>
+            <a:endParaRPr lang="en-US"/>
+          </a:p>
+        </p:txBody>
+      </p:sp>
+      <p:sp>
+        <p:nvSpPr>
+          <p:cNvPr id="26" name="Oval 25">
+            <a:extLst>
+              <a:ext uri="{FF2B5EF4-FFF2-40B4-BE49-F238E27FC236}">
+                <a16:creationId xmlns:a16="http://schemas.microsoft.com/office/drawing/2014/main" id="{5CB1961B-8089-47CD-8FCC-C17528728998}"/>
+              </a:ext>
+            </a:extLst>
+          </p:cNvPr>
+          <p:cNvSpPr/>
+          <p:nvPr/>
+        </p:nvSpPr>
+        <p:spPr>
+          <a:xfrm rot="1123507">
+            <a:off x="4699726" y="5932139"/>
+            <a:ext cx="335666" cy="873889"/>
+          </a:xfrm>
+          <a:prstGeom prst="ellipse">
+            <a:avLst/>
+          </a:prstGeom>
+          <a:solidFill>
+            <a:schemeClr val="accent2">
+              <a:alpha val="40000"/>
+            </a:schemeClr>
+          </a:solidFill>
+          <a:ln>
+            <a:noFill/>
+          </a:ln>
+        </p:spPr>
+        <p:style>
+          <a:lnRef idx="2">
+            <a:schemeClr val="accent1">
+              <a:shade val="50000"/>
+            </a:schemeClr>
+          </a:lnRef>
+          <a:fillRef idx="1">
+            <a:schemeClr val="accent1"/>
+          </a:fillRef>
+          <a:effectRef idx="0">
+            <a:schemeClr val="accent1"/>
+          </a:effectRef>
+          <a:fontRef idx="minor">
+            <a:schemeClr val="lt1"/>
+          </a:fontRef>
+        </p:style>
+        <p:txBody>
+          <a:bodyPr rtlCol="0" anchor="ctr"/>
+          <a:lstStyle/>
+          <a:p>
+            <a:pPr algn="ctr"/>
+            <a:endParaRPr lang="en-US"/>
+          </a:p>
+        </p:txBody>
+      </p:sp>
+      <p:sp>
+        <p:nvSpPr>
+          <p:cNvPr id="27" name="Oval 26">
+            <a:extLst>
+              <a:ext uri="{FF2B5EF4-FFF2-40B4-BE49-F238E27FC236}">
+                <a16:creationId xmlns:a16="http://schemas.microsoft.com/office/drawing/2014/main" id="{C1C7B3D4-11FB-4E71-9A9B-189DCD6A8B35}"/>
+              </a:ext>
+            </a:extLst>
+          </p:cNvPr>
+          <p:cNvSpPr/>
+          <p:nvPr/>
+        </p:nvSpPr>
+        <p:spPr>
+          <a:xfrm rot="1123507">
+            <a:off x="6518492" y="5955284"/>
+            <a:ext cx="335666" cy="873889"/>
+          </a:xfrm>
+          <a:prstGeom prst="ellipse">
+            <a:avLst/>
+          </a:prstGeom>
+          <a:solidFill>
+            <a:schemeClr val="accent2">
+              <a:alpha val="40000"/>
+            </a:schemeClr>
+          </a:solidFill>
+          <a:ln>
+            <a:noFill/>
+          </a:ln>
+        </p:spPr>
+        <p:style>
+          <a:lnRef idx="2">
+            <a:schemeClr val="accent1">
+              <a:shade val="50000"/>
+            </a:schemeClr>
+          </a:lnRef>
+          <a:fillRef idx="1">
+            <a:schemeClr val="accent1"/>
+          </a:fillRef>
+          <a:effectRef idx="0">
+            <a:schemeClr val="accent1"/>
+          </a:effectRef>
+          <a:fontRef idx="minor">
+            <a:schemeClr val="lt1"/>
+          </a:fontRef>
+        </p:style>
+        <p:txBody>
+          <a:bodyPr rtlCol="0" anchor="ctr"/>
+          <a:lstStyle/>
+          <a:p>
+            <a:pPr algn="ctr"/>
+            <a:endParaRPr lang="en-US" dirty="0"/>
+          </a:p>
+        </p:txBody>
+      </p:sp>
+      <p:sp>
+        <p:nvSpPr>
+          <p:cNvPr id="28" name="Oval 27">
+            <a:extLst>
+              <a:ext uri="{FF2B5EF4-FFF2-40B4-BE49-F238E27FC236}">
+                <a16:creationId xmlns:a16="http://schemas.microsoft.com/office/drawing/2014/main" id="{7E6AC02C-4417-49DE-87B6-59B66B63716D}"/>
+              </a:ext>
+            </a:extLst>
+          </p:cNvPr>
+          <p:cNvSpPr/>
+          <p:nvPr/>
+        </p:nvSpPr>
+        <p:spPr>
+          <a:xfrm rot="1123507">
+            <a:off x="7191755" y="5934059"/>
+            <a:ext cx="335666" cy="873889"/>
+          </a:xfrm>
+          <a:prstGeom prst="ellipse">
+            <a:avLst/>
+          </a:prstGeom>
+          <a:solidFill>
+            <a:schemeClr val="accent2">
+              <a:alpha val="40000"/>
+            </a:schemeClr>
+          </a:solidFill>
+          <a:ln>
+            <a:noFill/>
+          </a:ln>
+        </p:spPr>
+        <p:style>
+          <a:lnRef idx="2">
+            <a:schemeClr val="accent1">
+              <a:shade val="50000"/>
+            </a:schemeClr>
+          </a:lnRef>
+          <a:fillRef idx="1">
+            <a:schemeClr val="accent1"/>
+          </a:fillRef>
+          <a:effectRef idx="0">
+            <a:schemeClr val="accent1"/>
+          </a:effectRef>
+          <a:fontRef idx="minor">
+            <a:schemeClr val="lt1"/>
+          </a:fontRef>
+        </p:style>
+        <p:txBody>
+          <a:bodyPr rtlCol="0" anchor="ctr"/>
+          <a:lstStyle/>
+          <a:p>
+            <a:pPr algn="ctr"/>
+            <a:endParaRPr lang="en-US"/>
+          </a:p>
+        </p:txBody>
+      </p:sp>
+      <p:sp>
+        <p:nvSpPr>
+          <p:cNvPr id="15" name="Oval 14">
+            <a:extLst>
+              <a:ext uri="{FF2B5EF4-FFF2-40B4-BE49-F238E27FC236}">
+                <a16:creationId xmlns:a16="http://schemas.microsoft.com/office/drawing/2014/main" id="{27E5C2A2-2E87-427E-B66A-ECCC2DB35896}"/>
+              </a:ext>
+            </a:extLst>
+          </p:cNvPr>
+          <p:cNvSpPr/>
+          <p:nvPr/>
+        </p:nvSpPr>
+        <p:spPr>
+          <a:xfrm rot="1123507">
+            <a:off x="5741053" y="5953359"/>
+            <a:ext cx="335666" cy="873889"/>
+          </a:xfrm>
+          <a:prstGeom prst="ellipse">
+            <a:avLst/>
+          </a:prstGeom>
+          <a:solidFill>
+            <a:srgbClr val="4472C4">
+              <a:alpha val="40000"/>
+            </a:srgbClr>
+          </a:solidFill>
+          <a:ln>
+            <a:noFill/>
+          </a:ln>
+        </p:spPr>
+        <p:style>
+          <a:lnRef idx="2">
+            <a:schemeClr val="accent1">
+              <a:shade val="50000"/>
+            </a:schemeClr>
+          </a:lnRef>
+          <a:fillRef idx="1">
+            <a:schemeClr val="accent1"/>
+          </a:fillRef>
+          <a:effectRef idx="0">
+            <a:schemeClr val="accent1"/>
+          </a:effectRef>
+          <a:fontRef idx="minor">
+            <a:schemeClr val="lt1"/>
+          </a:fontRef>
+        </p:style>
+        <p:txBody>
+          <a:bodyPr rtlCol="0" anchor="ctr"/>
+          <a:lstStyle/>
+          <a:p>
+            <a:pPr algn="ctr"/>
+            <a:endParaRPr lang="en-US"/>
           </a:p>
         </p:txBody>
       </p:sp>
@@ -11296,6 +12140,1077 @@
           <a:chExt cx="0" cy="0"/>
         </a:xfrm>
       </p:grpSpPr>
+      <p:pic>
+        <p:nvPicPr>
+          <p:cNvPr id="1026" name="Picture 2">
+            <a:extLst>
+              <a:ext uri="{FF2B5EF4-FFF2-40B4-BE49-F238E27FC236}">
+                <a16:creationId xmlns:a16="http://schemas.microsoft.com/office/drawing/2014/main" id="{B3743F06-F2BD-4940-B215-A749969ED7FA}"/>
+              </a:ext>
+            </a:extLst>
+          </p:cNvPr>
+          <p:cNvPicPr>
+            <a:picLocks noChangeAspect="1" noChangeArrowheads="1"/>
+          </p:cNvPicPr>
+          <p:nvPr/>
+        </p:nvPicPr>
+        <p:blipFill>
+          <a:blip r:embed="rId3">
+            <a:extLst>
+              <a:ext uri="{28A0092B-C50C-407E-A947-70E740481C1C}">
+                <a14:useLocalDpi xmlns:a14="http://schemas.microsoft.com/office/drawing/2010/main" val="0"/>
+              </a:ext>
+            </a:extLst>
+          </a:blip>
+          <a:srcRect/>
+          <a:stretch>
+            <a:fillRect/>
+          </a:stretch>
+        </p:blipFill>
+        <p:spPr bwMode="auto">
+          <a:xfrm>
+            <a:off x="4257674" y="0"/>
+            <a:ext cx="8003777" cy="7048982"/>
+          </a:xfrm>
+          <a:prstGeom prst="rect">
+            <a:avLst/>
+          </a:prstGeom>
+          <a:noFill/>
+          <a:extLst>
+            <a:ext uri="{909E8E84-426E-40DD-AFC4-6F175D3DCCD1}">
+              <a14:hiddenFill xmlns:a14="http://schemas.microsoft.com/office/drawing/2010/main">
+                <a:solidFill>
+                  <a:srgbClr val="FFFFFF"/>
+                </a:solidFill>
+              </a14:hiddenFill>
+            </a:ext>
+          </a:extLst>
+        </p:spPr>
+      </p:pic>
+      <p:sp>
+        <p:nvSpPr>
+          <p:cNvPr id="3" name="TextBox 2">
+            <a:extLst>
+              <a:ext uri="{FF2B5EF4-FFF2-40B4-BE49-F238E27FC236}">
+                <a16:creationId xmlns:a16="http://schemas.microsoft.com/office/drawing/2014/main" id="{EBAA4F3A-6608-4D22-9612-E95C6136B908}"/>
+              </a:ext>
+            </a:extLst>
+          </p:cNvPr>
+          <p:cNvSpPr txBox="1"/>
+          <p:nvPr/>
+        </p:nvSpPr>
+        <p:spPr>
+          <a:xfrm>
+            <a:off x="0" y="0"/>
+            <a:ext cx="4257675" cy="1323975"/>
+          </a:xfrm>
+          <a:prstGeom prst="rect">
+            <a:avLst/>
+          </a:prstGeom>
+          <a:solidFill>
+            <a:schemeClr val="tx2"/>
+          </a:solidFill>
+          <a:ln>
+            <a:noFill/>
+          </a:ln>
+          <a:effectLst/>
+        </p:spPr>
+        <p:txBody>
+          <a:bodyPr vert="horz" wrap="square" lIns="720000" tIns="60960" rIns="121920" bIns="60960" numCol="1" anchor="ctr" anchorCtr="0" compatLnSpc="1">
+            <a:prstTxWarp prst="textNoShape">
+              <a:avLst/>
+            </a:prstTxWarp>
+          </a:bodyPr>
+          <a:lstStyle>
+            <a:defPPr>
+              <a:defRPr lang="en-US"/>
+            </a:defPPr>
+            <a:lvl1pPr defTabSz="1219170" fontAlgn="base">
+              <a:lnSpc>
+                <a:spcPct val="90000"/>
+              </a:lnSpc>
+              <a:spcBef>
+                <a:spcPct val="0"/>
+              </a:spcBef>
+              <a:spcAft>
+                <a:spcPct val="0"/>
+              </a:spcAft>
+              <a:defRPr sz="3733" kern="0">
+                <a:solidFill>
+                  <a:srgbClr val="FFFFFF"/>
+                </a:solidFill>
+                <a:latin typeface="Univers 45 Light"/>
+                <a:ea typeface="+mj-ea"/>
+                <a:cs typeface="Arial"/>
+              </a:defRPr>
+            </a:lvl1pPr>
+            <a:lvl2pPr fontAlgn="base">
+              <a:lnSpc>
+                <a:spcPct val="90000"/>
+              </a:lnSpc>
+              <a:spcBef>
+                <a:spcPct val="0"/>
+              </a:spcBef>
+              <a:spcAft>
+                <a:spcPct val="0"/>
+              </a:spcAft>
+              <a:defRPr sz="2800">
+                <a:solidFill>
+                  <a:schemeClr val="bg1"/>
+                </a:solidFill>
+                <a:latin typeface="Univers 45 Light" pitchFamily="2" charset="0"/>
+                <a:cs typeface="Arial" charset="0"/>
+              </a:defRPr>
+            </a:lvl2pPr>
+            <a:lvl3pPr fontAlgn="base">
+              <a:lnSpc>
+                <a:spcPct val="90000"/>
+              </a:lnSpc>
+              <a:spcBef>
+                <a:spcPct val="0"/>
+              </a:spcBef>
+              <a:spcAft>
+                <a:spcPct val="0"/>
+              </a:spcAft>
+              <a:defRPr sz="2800">
+                <a:solidFill>
+                  <a:schemeClr val="bg1"/>
+                </a:solidFill>
+                <a:latin typeface="Univers 45 Light" pitchFamily="2" charset="0"/>
+                <a:cs typeface="Arial" charset="0"/>
+              </a:defRPr>
+            </a:lvl3pPr>
+            <a:lvl4pPr fontAlgn="base">
+              <a:lnSpc>
+                <a:spcPct val="90000"/>
+              </a:lnSpc>
+              <a:spcBef>
+                <a:spcPct val="0"/>
+              </a:spcBef>
+              <a:spcAft>
+                <a:spcPct val="0"/>
+              </a:spcAft>
+              <a:defRPr sz="2800">
+                <a:solidFill>
+                  <a:schemeClr val="bg1"/>
+                </a:solidFill>
+                <a:latin typeface="Univers 45 Light" pitchFamily="2" charset="0"/>
+                <a:cs typeface="Arial" charset="0"/>
+              </a:defRPr>
+            </a:lvl4pPr>
+            <a:lvl5pPr fontAlgn="base">
+              <a:lnSpc>
+                <a:spcPct val="90000"/>
+              </a:lnSpc>
+              <a:spcBef>
+                <a:spcPct val="0"/>
+              </a:spcBef>
+              <a:spcAft>
+                <a:spcPct val="0"/>
+              </a:spcAft>
+              <a:defRPr sz="2800">
+                <a:solidFill>
+                  <a:schemeClr val="bg1"/>
+                </a:solidFill>
+                <a:latin typeface="Univers 45 Light" pitchFamily="2" charset="0"/>
+                <a:cs typeface="Arial" charset="0"/>
+              </a:defRPr>
+            </a:lvl5pPr>
+            <a:lvl6pPr marL="457200" fontAlgn="base">
+              <a:lnSpc>
+                <a:spcPct val="90000"/>
+              </a:lnSpc>
+              <a:spcBef>
+                <a:spcPct val="0"/>
+              </a:spcBef>
+              <a:spcAft>
+                <a:spcPct val="0"/>
+              </a:spcAft>
+              <a:defRPr sz="2800">
+                <a:solidFill>
+                  <a:schemeClr val="bg1"/>
+                </a:solidFill>
+                <a:latin typeface="Univers 45 Light" pitchFamily="2" charset="0"/>
+                <a:cs typeface="Arial" charset="0"/>
+              </a:defRPr>
+            </a:lvl6pPr>
+            <a:lvl7pPr marL="914400" fontAlgn="base">
+              <a:lnSpc>
+                <a:spcPct val="90000"/>
+              </a:lnSpc>
+              <a:spcBef>
+                <a:spcPct val="0"/>
+              </a:spcBef>
+              <a:spcAft>
+                <a:spcPct val="0"/>
+              </a:spcAft>
+              <a:defRPr sz="2800">
+                <a:solidFill>
+                  <a:schemeClr val="bg1"/>
+                </a:solidFill>
+                <a:latin typeface="Univers 45 Light" pitchFamily="2" charset="0"/>
+                <a:cs typeface="Arial" charset="0"/>
+              </a:defRPr>
+            </a:lvl7pPr>
+            <a:lvl8pPr marL="1371600" fontAlgn="base">
+              <a:lnSpc>
+                <a:spcPct val="90000"/>
+              </a:lnSpc>
+              <a:spcBef>
+                <a:spcPct val="0"/>
+              </a:spcBef>
+              <a:spcAft>
+                <a:spcPct val="0"/>
+              </a:spcAft>
+              <a:defRPr sz="2800">
+                <a:solidFill>
+                  <a:schemeClr val="bg1"/>
+                </a:solidFill>
+                <a:latin typeface="Univers 45 Light" pitchFamily="2" charset="0"/>
+                <a:cs typeface="Arial" charset="0"/>
+              </a:defRPr>
+            </a:lvl8pPr>
+            <a:lvl9pPr marL="1828800" fontAlgn="base">
+              <a:lnSpc>
+                <a:spcPct val="90000"/>
+              </a:lnSpc>
+              <a:spcBef>
+                <a:spcPct val="0"/>
+              </a:spcBef>
+              <a:spcAft>
+                <a:spcPct val="0"/>
+              </a:spcAft>
+              <a:defRPr sz="2800">
+                <a:solidFill>
+                  <a:schemeClr val="bg1"/>
+                </a:solidFill>
+                <a:latin typeface="Univers 45 Light" pitchFamily="2" charset="0"/>
+                <a:cs typeface="Arial" charset="0"/>
+              </a:defRPr>
+            </a:lvl9pPr>
+          </a:lstStyle>
+          <a:p>
+            <a:r>
+              <a:rPr lang="en-US" dirty="0"/>
+              <a:t>Findings 3/3</a:t>
+            </a:r>
+          </a:p>
+        </p:txBody>
+      </p:sp>
+      <p:sp>
+        <p:nvSpPr>
+          <p:cNvPr id="5" name="TextBox 4">
+            <a:extLst>
+              <a:ext uri="{FF2B5EF4-FFF2-40B4-BE49-F238E27FC236}">
+                <a16:creationId xmlns:a16="http://schemas.microsoft.com/office/drawing/2014/main" id="{272655EE-77FA-4A7B-B926-28EFBE2EA3E5}"/>
+              </a:ext>
+            </a:extLst>
+          </p:cNvPr>
+          <p:cNvSpPr txBox="1"/>
+          <p:nvPr/>
+        </p:nvSpPr>
+        <p:spPr>
+          <a:xfrm>
+            <a:off x="173619" y="4402441"/>
+            <a:ext cx="4084055" cy="1631216"/>
+          </a:xfrm>
+          <a:prstGeom prst="rect">
+            <a:avLst/>
+          </a:prstGeom>
+          <a:noFill/>
+          <a:ln>
+            <a:solidFill>
+              <a:schemeClr val="accent2"/>
+            </a:solidFill>
+          </a:ln>
+        </p:spPr>
+        <p:txBody>
+          <a:bodyPr wrap="square" rtlCol="0">
+            <a:spAutoFit/>
+          </a:bodyPr>
+          <a:lstStyle/>
+          <a:p>
+            <a:r>
+              <a:rPr lang="en-US" sz="2000" dirty="0"/>
+              <a:t>They can make or break a movie:</a:t>
+            </a:r>
+          </a:p>
+          <a:p>
+            <a:pPr marL="285750" indent="-285750">
+              <a:buFont typeface="Arial" panose="020B0604020202020204" pitchFamily="34" charset="0"/>
+              <a:buChar char="•"/>
+            </a:pPr>
+            <a:r>
+              <a:rPr lang="en-US" sz="2000" dirty="0"/>
+              <a:t>Comedy</a:t>
+            </a:r>
+          </a:p>
+          <a:p>
+            <a:pPr marL="285750" indent="-285750">
+              <a:buFont typeface="Arial" panose="020B0604020202020204" pitchFamily="34" charset="0"/>
+              <a:buChar char="•"/>
+            </a:pPr>
+            <a:r>
+              <a:rPr lang="en-US" sz="2000" dirty="0"/>
+              <a:t>Funny</a:t>
+            </a:r>
+          </a:p>
+          <a:p>
+            <a:pPr marL="285750" indent="-285750">
+              <a:buFont typeface="Arial" panose="020B0604020202020204" pitchFamily="34" charset="0"/>
+              <a:buChar char="•"/>
+            </a:pPr>
+            <a:r>
+              <a:rPr lang="en-US" sz="2000" dirty="0"/>
+              <a:t>Characters</a:t>
+            </a:r>
+          </a:p>
+          <a:p>
+            <a:pPr marL="285750" indent="-285750">
+              <a:buFont typeface="Arial" panose="020B0604020202020204" pitchFamily="34" charset="0"/>
+              <a:buChar char="•"/>
+            </a:pPr>
+            <a:r>
+              <a:rPr lang="en-US" sz="2000" dirty="0"/>
+              <a:t>Director</a:t>
+            </a:r>
+          </a:p>
+        </p:txBody>
+      </p:sp>
+      <p:sp>
+        <p:nvSpPr>
+          <p:cNvPr id="12" name="TextBox 11">
+            <a:extLst>
+              <a:ext uri="{FF2B5EF4-FFF2-40B4-BE49-F238E27FC236}">
+                <a16:creationId xmlns:a16="http://schemas.microsoft.com/office/drawing/2014/main" id="{119D65CA-CAD6-494A-B038-A0EB881BE517}"/>
+              </a:ext>
+            </a:extLst>
+          </p:cNvPr>
+          <p:cNvSpPr txBox="1"/>
+          <p:nvPr/>
+        </p:nvSpPr>
+        <p:spPr>
+          <a:xfrm>
+            <a:off x="173620" y="1585732"/>
+            <a:ext cx="4084055" cy="2554545"/>
+          </a:xfrm>
+          <a:prstGeom prst="rect">
+            <a:avLst/>
+          </a:prstGeom>
+          <a:noFill/>
+          <a:ln>
+            <a:solidFill>
+              <a:schemeClr val="accent1"/>
+            </a:solidFill>
+          </a:ln>
+        </p:spPr>
+        <p:txBody>
+          <a:bodyPr wrap="square" rtlCol="0">
+            <a:spAutoFit/>
+          </a:bodyPr>
+          <a:lstStyle/>
+          <a:p>
+            <a:r>
+              <a:rPr lang="en-US" sz="2000" dirty="0"/>
+              <a:t>Ingredients for successful movies:</a:t>
+            </a:r>
+          </a:p>
+          <a:p>
+            <a:pPr marL="285750" indent="-285750">
+              <a:buFont typeface="Arial" panose="020B0604020202020204" pitchFamily="34" charset="0"/>
+              <a:buChar char="•"/>
+            </a:pPr>
+            <a:r>
+              <a:rPr lang="en-US" sz="2000" dirty="0"/>
+              <a:t>Action</a:t>
+            </a:r>
+          </a:p>
+          <a:p>
+            <a:pPr marL="285750" indent="-285750">
+              <a:buFont typeface="Arial" panose="020B0604020202020204" pitchFamily="34" charset="0"/>
+              <a:buChar char="•"/>
+            </a:pPr>
+            <a:r>
+              <a:rPr lang="en-US" sz="2000" dirty="0"/>
+              <a:t>Story</a:t>
+            </a:r>
+          </a:p>
+          <a:p>
+            <a:pPr marL="285750" indent="-285750">
+              <a:buFont typeface="Arial" panose="020B0604020202020204" pitchFamily="34" charset="0"/>
+              <a:buChar char="•"/>
+            </a:pPr>
+            <a:r>
+              <a:rPr lang="en-US" sz="2000" dirty="0"/>
+              <a:t>Fun</a:t>
+            </a:r>
+          </a:p>
+          <a:p>
+            <a:pPr marL="285750" indent="-285750">
+              <a:buFont typeface="Arial" panose="020B0604020202020204" pitchFamily="34" charset="0"/>
+              <a:buChar char="•"/>
+            </a:pPr>
+            <a:r>
+              <a:rPr lang="en-US" sz="2000" dirty="0"/>
+              <a:t>Romantic</a:t>
+            </a:r>
+          </a:p>
+          <a:p>
+            <a:pPr marL="285750" indent="-285750">
+              <a:buFont typeface="Arial" panose="020B0604020202020204" pitchFamily="34" charset="0"/>
+              <a:buChar char="•"/>
+            </a:pPr>
+            <a:r>
+              <a:rPr lang="en-US" sz="2000" dirty="0"/>
+              <a:t>Thriller</a:t>
+            </a:r>
+          </a:p>
+          <a:p>
+            <a:pPr marL="285750" indent="-285750">
+              <a:buFont typeface="Arial" panose="020B0604020202020204" pitchFamily="34" charset="0"/>
+              <a:buChar char="•"/>
+            </a:pPr>
+            <a:r>
+              <a:rPr lang="en-US" sz="2000" dirty="0"/>
+              <a:t>Cast</a:t>
+            </a:r>
+          </a:p>
+          <a:p>
+            <a:pPr marL="285750" indent="-285750">
+              <a:buFont typeface="Arial" panose="020B0604020202020204" pitchFamily="34" charset="0"/>
+              <a:buChar char="•"/>
+            </a:pPr>
+            <a:r>
+              <a:rPr lang="en-US" sz="2000" dirty="0"/>
+              <a:t>Entertaining </a:t>
+            </a:r>
+          </a:p>
+        </p:txBody>
+      </p:sp>
+      <p:sp>
+        <p:nvSpPr>
+          <p:cNvPr id="13" name="Oval 12">
+            <a:extLst>
+              <a:ext uri="{FF2B5EF4-FFF2-40B4-BE49-F238E27FC236}">
+                <a16:creationId xmlns:a16="http://schemas.microsoft.com/office/drawing/2014/main" id="{6DBF2283-4BE6-4CCD-A2FD-FA45E537647E}"/>
+              </a:ext>
+            </a:extLst>
+          </p:cNvPr>
+          <p:cNvSpPr/>
+          <p:nvPr/>
+        </p:nvSpPr>
+        <p:spPr>
+          <a:xfrm rot="1123507">
+            <a:off x="5741053" y="5953359"/>
+            <a:ext cx="335666" cy="873889"/>
+          </a:xfrm>
+          <a:prstGeom prst="ellipse">
+            <a:avLst/>
+          </a:prstGeom>
+          <a:solidFill>
+            <a:srgbClr val="4472C4">
+              <a:alpha val="40000"/>
+            </a:srgbClr>
+          </a:solidFill>
+          <a:ln>
+            <a:noFill/>
+          </a:ln>
+        </p:spPr>
+        <p:style>
+          <a:lnRef idx="2">
+            <a:schemeClr val="accent1">
+              <a:shade val="50000"/>
+            </a:schemeClr>
+          </a:lnRef>
+          <a:fillRef idx="1">
+            <a:schemeClr val="accent1"/>
+          </a:fillRef>
+          <a:effectRef idx="0">
+            <a:schemeClr val="accent1"/>
+          </a:effectRef>
+          <a:fontRef idx="minor">
+            <a:schemeClr val="lt1"/>
+          </a:fontRef>
+        </p:style>
+        <p:txBody>
+          <a:bodyPr rtlCol="0" anchor="ctr"/>
+          <a:lstStyle/>
+          <a:p>
+            <a:pPr algn="ctr"/>
+            <a:endParaRPr lang="en-US"/>
+          </a:p>
+        </p:txBody>
+      </p:sp>
+      <p:sp>
+        <p:nvSpPr>
+          <p:cNvPr id="14" name="Oval 13">
+            <a:extLst>
+              <a:ext uri="{FF2B5EF4-FFF2-40B4-BE49-F238E27FC236}">
+                <a16:creationId xmlns:a16="http://schemas.microsoft.com/office/drawing/2014/main" id="{EBA0A05E-5AB9-4F47-983F-E9ACACF84246}"/>
+              </a:ext>
+            </a:extLst>
+          </p:cNvPr>
+          <p:cNvSpPr/>
+          <p:nvPr/>
+        </p:nvSpPr>
+        <p:spPr>
+          <a:xfrm rot="1123507">
+            <a:off x="5042290" y="5953360"/>
+            <a:ext cx="335666" cy="873889"/>
+          </a:xfrm>
+          <a:prstGeom prst="ellipse">
+            <a:avLst/>
+          </a:prstGeom>
+          <a:solidFill>
+            <a:srgbClr val="4472C4">
+              <a:alpha val="40000"/>
+            </a:srgbClr>
+          </a:solidFill>
+          <a:ln>
+            <a:noFill/>
+          </a:ln>
+        </p:spPr>
+        <p:style>
+          <a:lnRef idx="2">
+            <a:schemeClr val="accent1">
+              <a:shade val="50000"/>
+            </a:schemeClr>
+          </a:lnRef>
+          <a:fillRef idx="1">
+            <a:schemeClr val="accent1"/>
+          </a:fillRef>
+          <a:effectRef idx="0">
+            <a:schemeClr val="accent1"/>
+          </a:effectRef>
+          <a:fontRef idx="minor">
+            <a:schemeClr val="lt1"/>
+          </a:fontRef>
+        </p:style>
+        <p:txBody>
+          <a:bodyPr rtlCol="0" anchor="ctr"/>
+          <a:lstStyle/>
+          <a:p>
+            <a:pPr algn="ctr"/>
+            <a:endParaRPr lang="en-US"/>
+          </a:p>
+        </p:txBody>
+      </p:sp>
+      <p:sp>
+        <p:nvSpPr>
+          <p:cNvPr id="15" name="Oval 14">
+            <a:extLst>
+              <a:ext uri="{FF2B5EF4-FFF2-40B4-BE49-F238E27FC236}">
+                <a16:creationId xmlns:a16="http://schemas.microsoft.com/office/drawing/2014/main" id="{E6D71366-1945-4D96-B97E-0ADE12D5E41C}"/>
+              </a:ext>
+            </a:extLst>
+          </p:cNvPr>
+          <p:cNvSpPr/>
+          <p:nvPr/>
+        </p:nvSpPr>
+        <p:spPr>
+          <a:xfrm rot="1123507">
+            <a:off x="6101799" y="5955284"/>
+            <a:ext cx="335666" cy="873889"/>
+          </a:xfrm>
+          <a:prstGeom prst="ellipse">
+            <a:avLst/>
+          </a:prstGeom>
+          <a:solidFill>
+            <a:srgbClr val="4472C4">
+              <a:alpha val="40000"/>
+            </a:srgbClr>
+          </a:solidFill>
+          <a:ln>
+            <a:noFill/>
+          </a:ln>
+        </p:spPr>
+        <p:style>
+          <a:lnRef idx="2">
+            <a:schemeClr val="accent1">
+              <a:shade val="50000"/>
+            </a:schemeClr>
+          </a:lnRef>
+          <a:fillRef idx="1">
+            <a:schemeClr val="accent1"/>
+          </a:fillRef>
+          <a:effectRef idx="0">
+            <a:schemeClr val="accent1"/>
+          </a:effectRef>
+          <a:fontRef idx="minor">
+            <a:schemeClr val="lt1"/>
+          </a:fontRef>
+        </p:style>
+        <p:txBody>
+          <a:bodyPr rtlCol="0" anchor="ctr"/>
+          <a:lstStyle/>
+          <a:p>
+            <a:pPr algn="ctr"/>
+            <a:endParaRPr lang="en-US" dirty="0"/>
+          </a:p>
+        </p:txBody>
+      </p:sp>
+      <p:sp>
+        <p:nvSpPr>
+          <p:cNvPr id="16" name="Oval 15">
+            <a:extLst>
+              <a:ext uri="{FF2B5EF4-FFF2-40B4-BE49-F238E27FC236}">
+                <a16:creationId xmlns:a16="http://schemas.microsoft.com/office/drawing/2014/main" id="{FE7E10D4-199C-4033-817A-2F12EDDD0E43}"/>
+              </a:ext>
+            </a:extLst>
+          </p:cNvPr>
+          <p:cNvSpPr/>
+          <p:nvPr/>
+        </p:nvSpPr>
+        <p:spPr>
+          <a:xfrm rot="1123507">
+            <a:off x="6867663" y="5934059"/>
+            <a:ext cx="335666" cy="873889"/>
+          </a:xfrm>
+          <a:prstGeom prst="ellipse">
+            <a:avLst/>
+          </a:prstGeom>
+          <a:solidFill>
+            <a:srgbClr val="4472C4">
+              <a:alpha val="40000"/>
+            </a:srgbClr>
+          </a:solidFill>
+          <a:ln>
+            <a:noFill/>
+          </a:ln>
+        </p:spPr>
+        <p:style>
+          <a:lnRef idx="2">
+            <a:schemeClr val="accent1">
+              <a:shade val="50000"/>
+            </a:schemeClr>
+          </a:lnRef>
+          <a:fillRef idx="1">
+            <a:schemeClr val="accent1"/>
+          </a:fillRef>
+          <a:effectRef idx="0">
+            <a:schemeClr val="accent1"/>
+          </a:effectRef>
+          <a:fontRef idx="minor">
+            <a:schemeClr val="lt1"/>
+          </a:fontRef>
+        </p:style>
+        <p:txBody>
+          <a:bodyPr rtlCol="0" anchor="ctr"/>
+          <a:lstStyle/>
+          <a:p>
+            <a:pPr algn="ctr"/>
+            <a:endParaRPr lang="en-US"/>
+          </a:p>
+        </p:txBody>
+      </p:sp>
+      <p:sp>
+        <p:nvSpPr>
+          <p:cNvPr id="17" name="Oval 16">
+            <a:extLst>
+              <a:ext uri="{FF2B5EF4-FFF2-40B4-BE49-F238E27FC236}">
+                <a16:creationId xmlns:a16="http://schemas.microsoft.com/office/drawing/2014/main" id="{CA5E7720-05F6-4D54-B95D-B070851A5D96}"/>
+              </a:ext>
+            </a:extLst>
+          </p:cNvPr>
+          <p:cNvSpPr/>
+          <p:nvPr/>
+        </p:nvSpPr>
+        <p:spPr>
+          <a:xfrm rot="1123507">
+            <a:off x="7560441" y="5953360"/>
+            <a:ext cx="335666" cy="873889"/>
+          </a:xfrm>
+          <a:prstGeom prst="ellipse">
+            <a:avLst/>
+          </a:prstGeom>
+          <a:solidFill>
+            <a:srgbClr val="4472C4">
+              <a:alpha val="40000"/>
+            </a:srgbClr>
+          </a:solidFill>
+          <a:ln>
+            <a:noFill/>
+          </a:ln>
+        </p:spPr>
+        <p:style>
+          <a:lnRef idx="2">
+            <a:schemeClr val="accent1">
+              <a:shade val="50000"/>
+            </a:schemeClr>
+          </a:lnRef>
+          <a:fillRef idx="1">
+            <a:schemeClr val="accent1"/>
+          </a:fillRef>
+          <a:effectRef idx="0">
+            <a:schemeClr val="accent1"/>
+          </a:effectRef>
+          <a:fontRef idx="minor">
+            <a:schemeClr val="lt1"/>
+          </a:fontRef>
+        </p:style>
+        <p:txBody>
+          <a:bodyPr rtlCol="0" anchor="ctr"/>
+          <a:lstStyle/>
+          <a:p>
+            <a:pPr algn="ctr"/>
+            <a:endParaRPr lang="en-US"/>
+          </a:p>
+        </p:txBody>
+      </p:sp>
+      <p:sp>
+        <p:nvSpPr>
+          <p:cNvPr id="18" name="Oval 17">
+            <a:extLst>
+              <a:ext uri="{FF2B5EF4-FFF2-40B4-BE49-F238E27FC236}">
+                <a16:creationId xmlns:a16="http://schemas.microsoft.com/office/drawing/2014/main" id="{9B22A198-2E07-4FEC-9500-4B04DE4D0D32}"/>
+              </a:ext>
+            </a:extLst>
+          </p:cNvPr>
+          <p:cNvSpPr/>
+          <p:nvPr/>
+        </p:nvSpPr>
+        <p:spPr>
+          <a:xfrm rot="1123507">
+            <a:off x="7921190" y="5932139"/>
+            <a:ext cx="335666" cy="873889"/>
+          </a:xfrm>
+          <a:prstGeom prst="ellipse">
+            <a:avLst/>
+          </a:prstGeom>
+          <a:solidFill>
+            <a:srgbClr val="4472C4">
+              <a:alpha val="40000"/>
+            </a:srgbClr>
+          </a:solidFill>
+          <a:ln>
+            <a:noFill/>
+          </a:ln>
+        </p:spPr>
+        <p:style>
+          <a:lnRef idx="2">
+            <a:schemeClr val="accent1">
+              <a:shade val="50000"/>
+            </a:schemeClr>
+          </a:lnRef>
+          <a:fillRef idx="1">
+            <a:schemeClr val="accent1"/>
+          </a:fillRef>
+          <a:effectRef idx="0">
+            <a:schemeClr val="accent1"/>
+          </a:effectRef>
+          <a:fontRef idx="minor">
+            <a:schemeClr val="lt1"/>
+          </a:fontRef>
+        </p:style>
+        <p:txBody>
+          <a:bodyPr rtlCol="0" anchor="ctr"/>
+          <a:lstStyle/>
+          <a:p>
+            <a:pPr algn="ctr"/>
+            <a:endParaRPr lang="en-US"/>
+          </a:p>
+        </p:txBody>
+      </p:sp>
+      <p:sp>
+        <p:nvSpPr>
+          <p:cNvPr id="19" name="Oval 18">
+            <a:extLst>
+              <a:ext uri="{FF2B5EF4-FFF2-40B4-BE49-F238E27FC236}">
+                <a16:creationId xmlns:a16="http://schemas.microsoft.com/office/drawing/2014/main" id="{CF676D8C-5B24-443B-841A-C0639F125F2D}"/>
+              </a:ext>
+            </a:extLst>
+          </p:cNvPr>
+          <p:cNvSpPr/>
+          <p:nvPr/>
+        </p:nvSpPr>
+        <p:spPr>
+          <a:xfrm rot="1123507">
+            <a:off x="8328232" y="5957217"/>
+            <a:ext cx="335666" cy="873889"/>
+          </a:xfrm>
+          <a:prstGeom prst="ellipse">
+            <a:avLst/>
+          </a:prstGeom>
+          <a:solidFill>
+            <a:srgbClr val="4472C4">
+              <a:alpha val="40000"/>
+            </a:srgbClr>
+          </a:solidFill>
+          <a:ln>
+            <a:noFill/>
+          </a:ln>
+        </p:spPr>
+        <p:style>
+          <a:lnRef idx="2">
+            <a:schemeClr val="accent1">
+              <a:shade val="50000"/>
+            </a:schemeClr>
+          </a:lnRef>
+          <a:fillRef idx="1">
+            <a:schemeClr val="accent1"/>
+          </a:fillRef>
+          <a:effectRef idx="0">
+            <a:schemeClr val="accent1"/>
+          </a:effectRef>
+          <a:fontRef idx="minor">
+            <a:schemeClr val="lt1"/>
+          </a:fontRef>
+        </p:style>
+        <p:txBody>
+          <a:bodyPr rtlCol="0" anchor="ctr"/>
+          <a:lstStyle/>
+          <a:p>
+            <a:pPr algn="ctr"/>
+            <a:endParaRPr lang="en-US"/>
+          </a:p>
+        </p:txBody>
+      </p:sp>
+      <p:sp>
+        <p:nvSpPr>
+          <p:cNvPr id="20" name="Oval 19">
+            <a:extLst>
+              <a:ext uri="{FF2B5EF4-FFF2-40B4-BE49-F238E27FC236}">
+                <a16:creationId xmlns:a16="http://schemas.microsoft.com/office/drawing/2014/main" id="{91E6C77B-C68C-4264-B5B1-EF9B73FD2A6F}"/>
+              </a:ext>
+            </a:extLst>
+          </p:cNvPr>
+          <p:cNvSpPr/>
+          <p:nvPr/>
+        </p:nvSpPr>
+        <p:spPr>
+          <a:xfrm rot="1123507">
+            <a:off x="5406789" y="5944799"/>
+            <a:ext cx="335666" cy="873889"/>
+          </a:xfrm>
+          <a:prstGeom prst="ellipse">
+            <a:avLst/>
+          </a:prstGeom>
+          <a:solidFill>
+            <a:schemeClr val="accent2">
+              <a:alpha val="40000"/>
+            </a:schemeClr>
+          </a:solidFill>
+          <a:ln>
+            <a:noFill/>
+          </a:ln>
+        </p:spPr>
+        <p:style>
+          <a:lnRef idx="2">
+            <a:schemeClr val="accent1">
+              <a:shade val="50000"/>
+            </a:schemeClr>
+          </a:lnRef>
+          <a:fillRef idx="1">
+            <a:schemeClr val="accent1"/>
+          </a:fillRef>
+          <a:effectRef idx="0">
+            <a:schemeClr val="accent1"/>
+          </a:effectRef>
+          <a:fontRef idx="minor">
+            <a:schemeClr val="lt1"/>
+          </a:fontRef>
+        </p:style>
+        <p:txBody>
+          <a:bodyPr rtlCol="0" anchor="ctr"/>
+          <a:lstStyle/>
+          <a:p>
+            <a:pPr algn="ctr"/>
+            <a:endParaRPr lang="en-US"/>
+          </a:p>
+        </p:txBody>
+      </p:sp>
+      <p:sp>
+        <p:nvSpPr>
+          <p:cNvPr id="21" name="Oval 20">
+            <a:extLst>
+              <a:ext uri="{FF2B5EF4-FFF2-40B4-BE49-F238E27FC236}">
+                <a16:creationId xmlns:a16="http://schemas.microsoft.com/office/drawing/2014/main" id="{26C8CA4A-FC1C-4361-87F9-99F2F6BF5E91}"/>
+              </a:ext>
+            </a:extLst>
+          </p:cNvPr>
+          <p:cNvSpPr/>
+          <p:nvPr/>
+        </p:nvSpPr>
+        <p:spPr>
+          <a:xfrm rot="1123507">
+            <a:off x="4699726" y="5932139"/>
+            <a:ext cx="335666" cy="873889"/>
+          </a:xfrm>
+          <a:prstGeom prst="ellipse">
+            <a:avLst/>
+          </a:prstGeom>
+          <a:solidFill>
+            <a:schemeClr val="accent2">
+              <a:alpha val="40000"/>
+            </a:schemeClr>
+          </a:solidFill>
+          <a:ln>
+            <a:noFill/>
+          </a:ln>
+        </p:spPr>
+        <p:style>
+          <a:lnRef idx="2">
+            <a:schemeClr val="accent1">
+              <a:shade val="50000"/>
+            </a:schemeClr>
+          </a:lnRef>
+          <a:fillRef idx="1">
+            <a:schemeClr val="accent1"/>
+          </a:fillRef>
+          <a:effectRef idx="0">
+            <a:schemeClr val="accent1"/>
+          </a:effectRef>
+          <a:fontRef idx="minor">
+            <a:schemeClr val="lt1"/>
+          </a:fontRef>
+        </p:style>
+        <p:txBody>
+          <a:bodyPr rtlCol="0" anchor="ctr"/>
+          <a:lstStyle/>
+          <a:p>
+            <a:pPr algn="ctr"/>
+            <a:endParaRPr lang="en-US"/>
+          </a:p>
+        </p:txBody>
+      </p:sp>
+      <p:sp>
+        <p:nvSpPr>
+          <p:cNvPr id="22" name="Oval 21">
+            <a:extLst>
+              <a:ext uri="{FF2B5EF4-FFF2-40B4-BE49-F238E27FC236}">
+                <a16:creationId xmlns:a16="http://schemas.microsoft.com/office/drawing/2014/main" id="{8A1710D1-0C08-4CD5-A661-1D7E50265928}"/>
+              </a:ext>
+            </a:extLst>
+          </p:cNvPr>
+          <p:cNvSpPr/>
+          <p:nvPr/>
+        </p:nvSpPr>
+        <p:spPr>
+          <a:xfrm rot="1123507">
+            <a:off x="6518492" y="5955284"/>
+            <a:ext cx="335666" cy="873889"/>
+          </a:xfrm>
+          <a:prstGeom prst="ellipse">
+            <a:avLst/>
+          </a:prstGeom>
+          <a:solidFill>
+            <a:schemeClr val="accent2">
+              <a:alpha val="40000"/>
+            </a:schemeClr>
+          </a:solidFill>
+          <a:ln>
+            <a:noFill/>
+          </a:ln>
+        </p:spPr>
+        <p:style>
+          <a:lnRef idx="2">
+            <a:schemeClr val="accent1">
+              <a:shade val="50000"/>
+            </a:schemeClr>
+          </a:lnRef>
+          <a:fillRef idx="1">
+            <a:schemeClr val="accent1"/>
+          </a:fillRef>
+          <a:effectRef idx="0">
+            <a:schemeClr val="accent1"/>
+          </a:effectRef>
+          <a:fontRef idx="minor">
+            <a:schemeClr val="lt1"/>
+          </a:fontRef>
+        </p:style>
+        <p:txBody>
+          <a:bodyPr rtlCol="0" anchor="ctr"/>
+          <a:lstStyle/>
+          <a:p>
+            <a:pPr algn="ctr"/>
+            <a:endParaRPr lang="en-US" dirty="0"/>
+          </a:p>
+        </p:txBody>
+      </p:sp>
+      <p:sp>
+        <p:nvSpPr>
+          <p:cNvPr id="23" name="Oval 22">
+            <a:extLst>
+              <a:ext uri="{FF2B5EF4-FFF2-40B4-BE49-F238E27FC236}">
+                <a16:creationId xmlns:a16="http://schemas.microsoft.com/office/drawing/2014/main" id="{F1148F54-B6F5-4021-9E6D-F263E85DBD61}"/>
+              </a:ext>
+            </a:extLst>
+          </p:cNvPr>
+          <p:cNvSpPr/>
+          <p:nvPr/>
+        </p:nvSpPr>
+        <p:spPr>
+          <a:xfrm rot="1123507">
+            <a:off x="7191755" y="5934059"/>
+            <a:ext cx="335666" cy="873889"/>
+          </a:xfrm>
+          <a:prstGeom prst="ellipse">
+            <a:avLst/>
+          </a:prstGeom>
+          <a:solidFill>
+            <a:schemeClr val="accent2">
+              <a:alpha val="40000"/>
+            </a:schemeClr>
+          </a:solidFill>
+          <a:ln>
+            <a:noFill/>
+          </a:ln>
+        </p:spPr>
+        <p:style>
+          <a:lnRef idx="2">
+            <a:schemeClr val="accent1">
+              <a:shade val="50000"/>
+            </a:schemeClr>
+          </a:lnRef>
+          <a:fillRef idx="1">
+            <a:schemeClr val="accent1"/>
+          </a:fillRef>
+          <a:effectRef idx="0">
+            <a:schemeClr val="accent1"/>
+          </a:effectRef>
+          <a:fontRef idx="minor">
+            <a:schemeClr val="lt1"/>
+          </a:fontRef>
+        </p:style>
+        <p:txBody>
+          <a:bodyPr rtlCol="0" anchor="ctr"/>
+          <a:lstStyle/>
+          <a:p>
+            <a:pPr algn="ctr"/>
+            <a:endParaRPr lang="en-US"/>
+          </a:p>
+        </p:txBody>
+      </p:sp>
+    </p:spTree>
+    <p:extLst>
+      <p:ext uri="{BB962C8B-B14F-4D97-AF65-F5344CB8AC3E}">
+        <p14:creationId xmlns:p14="http://schemas.microsoft.com/office/powerpoint/2010/main" val="2856121017"/>
+      </p:ext>
+    </p:extLst>
+  </p:cSld>
+  <p:clrMapOvr>
+    <a:masterClrMapping/>
+  </p:clrMapOvr>
+</p:sld>
+</file>
+
+<file path=ppt/slides/slide14.xml><?xml version="1.0" encoding="utf-8"?>
+<p:sld xmlns:a="http://schemas.openxmlformats.org/drawingml/2006/main" xmlns:r="http://schemas.openxmlformats.org/officeDocument/2006/relationships" xmlns:p="http://schemas.openxmlformats.org/presentationml/2006/main">
+  <p:cSld>
+    <p:spTree>
+      <p:nvGrpSpPr>
+        <p:cNvPr id="1" name=""/>
+        <p:cNvGrpSpPr/>
+        <p:nvPr/>
+      </p:nvGrpSpPr>
+      <p:grpSpPr>
+        <a:xfrm>
+          <a:off x="0" y="0"/>
+          <a:ext cx="0" cy="0"/>
+          <a:chOff x="0" y="0"/>
+          <a:chExt cx="0" cy="0"/>
+        </a:xfrm>
+      </p:grpSpPr>
       <p:sp>
         <p:nvSpPr>
           <p:cNvPr id="4" name="TextBox 3">
@@ -11506,12 +13421,59 @@
           </a:p>
         </p:txBody>
       </p:sp>
-      <p:sp>
-        <p:nvSpPr>
-          <p:cNvPr id="5" name="TextBox 4">
+      <p:pic>
+        <p:nvPicPr>
+          <p:cNvPr id="6" name="Picture 2">
             <a:extLst>
               <a:ext uri="{FF2B5EF4-FFF2-40B4-BE49-F238E27FC236}">
-                <a16:creationId xmlns:a16="http://schemas.microsoft.com/office/drawing/2014/main" id="{54D90C35-3D5E-41D2-BECA-C91F10AB5A56}"/>
+                <a16:creationId xmlns:a16="http://schemas.microsoft.com/office/drawing/2014/main" id="{BAF54F67-C096-452D-AF5D-BC98BC355C50}"/>
+              </a:ext>
+            </a:extLst>
+          </p:cNvPr>
+          <p:cNvPicPr>
+            <a:picLocks noChangeAspect="1" noChangeArrowheads="1"/>
+          </p:cNvPicPr>
+          <p:nvPr/>
+        </p:nvPicPr>
+        <p:blipFill>
+          <a:blip r:embed="rId3">
+            <a:extLst>
+              <a:ext uri="{28A0092B-C50C-407E-A947-70E740481C1C}">
+                <a14:useLocalDpi xmlns:a14="http://schemas.microsoft.com/office/drawing/2010/main" val="0"/>
+              </a:ext>
+            </a:extLst>
+          </a:blip>
+          <a:srcRect/>
+          <a:stretch>
+            <a:fillRect/>
+          </a:stretch>
+        </p:blipFill>
+        <p:spPr bwMode="auto">
+          <a:xfrm>
+            <a:off x="902351" y="1504710"/>
+            <a:ext cx="5371129" cy="2037144"/>
+          </a:xfrm>
+          <a:prstGeom prst="rect">
+            <a:avLst/>
+          </a:prstGeom>
+          <a:noFill/>
+          <a:extLst>
+            <a:ext uri="{909E8E84-426E-40DD-AFC4-6F175D3DCCD1}">
+              <a14:hiddenFill xmlns:a14="http://schemas.microsoft.com/office/drawing/2010/main">
+                <a:solidFill>
+                  <a:srgbClr val="FFFFFF"/>
+                </a:solidFill>
+              </a14:hiddenFill>
+            </a:ext>
+          </a:extLst>
+        </p:spPr>
+      </p:pic>
+      <p:sp>
+        <p:nvSpPr>
+          <p:cNvPr id="7" name="TextBox 6">
+            <a:extLst>
+              <a:ext uri="{FF2B5EF4-FFF2-40B4-BE49-F238E27FC236}">
+                <a16:creationId xmlns:a16="http://schemas.microsoft.com/office/drawing/2014/main" id="{EF701120-1C7F-4DC4-BE19-E499359EBEA4}"/>
               </a:ext>
             </a:extLst>
           </p:cNvPr>
@@ -11520,8 +13482,8 @@
         </p:nvSpPr>
         <p:spPr>
           <a:xfrm>
-            <a:off x="333375" y="1514475"/>
-            <a:ext cx="10467975" cy="4247317"/>
+            <a:off x="196770" y="2210765"/>
+            <a:ext cx="509286" cy="461665"/>
           </a:xfrm>
           <a:prstGeom prst="rect">
             <a:avLst/>
@@ -11534,51 +13496,308 @@
           </a:bodyPr>
           <a:lstStyle/>
           <a:p>
-            <a:pPr marL="285750" indent="-285750">
-              <a:buFont typeface="Arial" panose="020B0604020202020204" pitchFamily="34" charset="0"/>
-              <a:buChar char="•"/>
-            </a:pPr>
-            <a:r>
-              <a:rPr lang="en-US" b="1" dirty="0"/>
-              <a:t>For the first analysis (overall rentability of movie industry) , our random movie selections end up most often with a profit ratio of 3. The Central Theorem predicts that this normal distribution should be centered around the population mean ~3.67. The discrepancy observed here should be the subject of further study. The first thing to do would be to increase the number of movies in the database.</a:t>
-            </a:r>
-          </a:p>
-          <a:p>
-            <a:pPr marL="285750" indent="-285750">
-              <a:buFont typeface="Arial" panose="020B0604020202020204" pitchFamily="34" charset="0"/>
-              <a:buChar char="•"/>
-            </a:pPr>
-            <a:endParaRPr lang="en-US" b="1" dirty="0"/>
-          </a:p>
-          <a:p>
-            <a:pPr marL="285750" indent="-285750">
-              <a:buFont typeface="Arial" panose="020B0604020202020204" pitchFamily="34" charset="0"/>
-              <a:buChar char="•"/>
-            </a:pPr>
-            <a:r>
-              <a:rPr lang="en-US" b="1" dirty="0"/>
-              <a:t>The second analysis about the genres  as predictors of success seems the most robust. The main improvement could come from the fact that movies have multiple genres assigned to them. We could try to find what is the dominant genre  and the secondary genres for each movie as  the dominant genre should be weighted more heavily. </a:t>
-            </a:r>
-          </a:p>
-          <a:p>
-            <a:pPr marL="285750" indent="-285750">
-              <a:buFont typeface="Arial" panose="020B0604020202020204" pitchFamily="34" charset="0"/>
-              <a:buChar char="•"/>
-            </a:pPr>
-            <a:endParaRPr lang="en-US" b="1" dirty="0"/>
-          </a:p>
-          <a:p>
-            <a:pPr marL="285750" indent="-285750">
-              <a:buFont typeface="Arial" panose="020B0604020202020204" pitchFamily="34" charset="0"/>
-              <a:buChar char="•"/>
-            </a:pPr>
-            <a:r>
-              <a:rPr lang="en-US" b="1" dirty="0"/>
-              <a:t>There is more room for interpretation in the third analysis (most used keywords in reviews). Potential further work could look in the review around the keywords we found and find the closest adverb or adjective. For example a good movie review we expect to find “realistic characters” and in a bad one, “simplistic characters”. </a:t>
-            </a:r>
-          </a:p>
-          <a:p>
-            <a:endParaRPr lang="en-US" dirty="0"/>
+            <a:r>
+              <a:rPr lang="en-US" sz="2400" dirty="0"/>
+              <a:t>1.</a:t>
+            </a:r>
+          </a:p>
+        </p:txBody>
+      </p:sp>
+      <p:cxnSp>
+        <p:nvCxnSpPr>
+          <p:cNvPr id="9" name="Straight Arrow Connector 8">
+            <a:extLst>
+              <a:ext uri="{FF2B5EF4-FFF2-40B4-BE49-F238E27FC236}">
+                <a16:creationId xmlns:a16="http://schemas.microsoft.com/office/drawing/2014/main" id="{0068790D-D5EC-4B9B-8386-47D881AC5554}"/>
+              </a:ext>
+            </a:extLst>
+          </p:cNvPr>
+          <p:cNvCxnSpPr/>
+          <p:nvPr/>
+        </p:nvCxnSpPr>
+        <p:spPr>
+          <a:xfrm>
+            <a:off x="2395959" y="2828685"/>
+            <a:ext cx="219919" cy="0"/>
+          </a:xfrm>
+          <a:prstGeom prst="straightConnector1">
+            <a:avLst/>
+          </a:prstGeom>
+          <a:ln w="28575">
+            <a:solidFill>
+              <a:srgbClr val="E91F32"/>
+            </a:solidFill>
+            <a:headEnd type="triangle" w="med" len="med"/>
+            <a:tailEnd type="triangle" w="med" len="med"/>
+          </a:ln>
+        </p:spPr>
+        <p:style>
+          <a:lnRef idx="1">
+            <a:schemeClr val="accent1"/>
+          </a:lnRef>
+          <a:fillRef idx="0">
+            <a:schemeClr val="accent1"/>
+          </a:fillRef>
+          <a:effectRef idx="0">
+            <a:schemeClr val="accent1"/>
+          </a:effectRef>
+          <a:fontRef idx="minor">
+            <a:schemeClr val="tx1"/>
+          </a:fontRef>
+        </p:style>
+      </p:cxnSp>
+      <p:sp>
+        <p:nvSpPr>
+          <p:cNvPr id="10" name="Oval 9">
+            <a:extLst>
+              <a:ext uri="{FF2B5EF4-FFF2-40B4-BE49-F238E27FC236}">
+                <a16:creationId xmlns:a16="http://schemas.microsoft.com/office/drawing/2014/main" id="{F9B3D3F9-636C-4CE7-9E65-367FD361CD83}"/>
+              </a:ext>
+            </a:extLst>
+          </p:cNvPr>
+          <p:cNvSpPr/>
+          <p:nvPr/>
+        </p:nvSpPr>
+        <p:spPr>
+          <a:xfrm>
+            <a:off x="2257062" y="2672430"/>
+            <a:ext cx="509286" cy="267540"/>
+          </a:xfrm>
+          <a:prstGeom prst="ellipse">
+            <a:avLst/>
+          </a:prstGeom>
+          <a:noFill/>
+          <a:ln w="28575">
+            <a:solidFill>
+              <a:srgbClr val="E91F32"/>
+            </a:solidFill>
+          </a:ln>
+        </p:spPr>
+        <p:style>
+          <a:lnRef idx="2">
+            <a:schemeClr val="accent1">
+              <a:shade val="50000"/>
+            </a:schemeClr>
+          </a:lnRef>
+          <a:fillRef idx="1">
+            <a:schemeClr val="accent1"/>
+          </a:fillRef>
+          <a:effectRef idx="0">
+            <a:schemeClr val="accent1"/>
+          </a:effectRef>
+          <a:fontRef idx="minor">
+            <a:schemeClr val="lt1"/>
+          </a:fontRef>
+        </p:style>
+        <p:txBody>
+          <a:bodyPr rtlCol="0" anchor="ctr"/>
+          <a:lstStyle/>
+          <a:p>
+            <a:pPr algn="ctr"/>
+            <a:endParaRPr lang="en-US"/>
+          </a:p>
+        </p:txBody>
+      </p:sp>
+      <p:sp>
+        <p:nvSpPr>
+          <p:cNvPr id="11" name="TextBox 10">
+            <a:extLst>
+              <a:ext uri="{FF2B5EF4-FFF2-40B4-BE49-F238E27FC236}">
+                <a16:creationId xmlns:a16="http://schemas.microsoft.com/office/drawing/2014/main" id="{5EEF55E9-3B0E-4744-B7DE-7D946ABA621E}"/>
+              </a:ext>
+            </a:extLst>
+          </p:cNvPr>
+          <p:cNvSpPr txBox="1"/>
+          <p:nvPr/>
+        </p:nvSpPr>
+        <p:spPr>
+          <a:xfrm>
+            <a:off x="4177987" y="2338616"/>
+            <a:ext cx="4583575" cy="461665"/>
+          </a:xfrm>
+          <a:prstGeom prst="rect">
+            <a:avLst/>
+          </a:prstGeom>
+          <a:solidFill>
+            <a:srgbClr val="FFFFFF"/>
+          </a:solidFill>
+          <a:ln>
+            <a:solidFill>
+              <a:srgbClr val="4472C4"/>
+            </a:solidFill>
+          </a:ln>
+        </p:spPr>
+        <p:txBody>
+          <a:bodyPr wrap="square" rtlCol="0">
+            <a:spAutoFit/>
+          </a:bodyPr>
+          <a:lstStyle/>
+          <a:p>
+            <a:pPr algn="ctr"/>
+            <a:r>
+              <a:rPr lang="en-US" sz="2400" dirty="0"/>
+              <a:t>Why the discrepancy?</a:t>
+            </a:r>
+          </a:p>
+        </p:txBody>
+      </p:sp>
+      <p:sp>
+        <p:nvSpPr>
+          <p:cNvPr id="13" name="TextBox 12">
+            <a:extLst>
+              <a:ext uri="{FF2B5EF4-FFF2-40B4-BE49-F238E27FC236}">
+                <a16:creationId xmlns:a16="http://schemas.microsoft.com/office/drawing/2014/main" id="{69A9135B-7573-4E02-9152-8DA010B1C3AD}"/>
+              </a:ext>
+            </a:extLst>
+          </p:cNvPr>
+          <p:cNvSpPr txBox="1"/>
+          <p:nvPr/>
+        </p:nvSpPr>
+        <p:spPr>
+          <a:xfrm>
+            <a:off x="207871" y="4185571"/>
+            <a:ext cx="509286" cy="461665"/>
+          </a:xfrm>
+          <a:prstGeom prst="rect">
+            <a:avLst/>
+          </a:prstGeom>
+          <a:noFill/>
+        </p:spPr>
+        <p:txBody>
+          <a:bodyPr wrap="square" rtlCol="0">
+            <a:spAutoFit/>
+          </a:bodyPr>
+          <a:lstStyle/>
+          <a:p>
+            <a:r>
+              <a:rPr lang="en-US" sz="2400" dirty="0"/>
+              <a:t>2.</a:t>
+            </a:r>
+          </a:p>
+        </p:txBody>
+      </p:sp>
+      <p:sp>
+        <p:nvSpPr>
+          <p:cNvPr id="14" name="TextBox 13">
+            <a:extLst>
+              <a:ext uri="{FF2B5EF4-FFF2-40B4-BE49-F238E27FC236}">
+                <a16:creationId xmlns:a16="http://schemas.microsoft.com/office/drawing/2014/main" id="{A102D4E2-5D60-4C9B-A82F-CC8087954473}"/>
+              </a:ext>
+            </a:extLst>
+          </p:cNvPr>
+          <p:cNvSpPr txBox="1"/>
+          <p:nvPr/>
+        </p:nvSpPr>
+        <p:spPr>
+          <a:xfrm>
+            <a:off x="902351" y="4185571"/>
+            <a:ext cx="7805669" cy="461665"/>
+          </a:xfrm>
+          <a:prstGeom prst="rect">
+            <a:avLst/>
+          </a:prstGeom>
+          <a:noFill/>
+        </p:spPr>
+        <p:txBody>
+          <a:bodyPr wrap="square" rtlCol="0">
+            <a:spAutoFit/>
+          </a:bodyPr>
+          <a:lstStyle/>
+          <a:p>
+            <a:r>
+              <a:rPr lang="en-US" sz="2400" dirty="0"/>
+              <a:t>1 movie  = multiple genres !!  What is the main genre?</a:t>
+            </a:r>
+          </a:p>
+        </p:txBody>
+      </p:sp>
+      <p:sp>
+        <p:nvSpPr>
+          <p:cNvPr id="15" name="Rectangle 14">
+            <a:extLst>
+              <a:ext uri="{FF2B5EF4-FFF2-40B4-BE49-F238E27FC236}">
+                <a16:creationId xmlns:a16="http://schemas.microsoft.com/office/drawing/2014/main" id="{8967729A-202B-47B8-B4E2-89C23473A3CF}"/>
+              </a:ext>
+            </a:extLst>
+          </p:cNvPr>
+          <p:cNvSpPr/>
+          <p:nvPr/>
+        </p:nvSpPr>
+        <p:spPr>
+          <a:xfrm>
+            <a:off x="242862" y="5303193"/>
+            <a:ext cx="417102" cy="461665"/>
+          </a:xfrm>
+          <a:prstGeom prst="rect">
+            <a:avLst/>
+          </a:prstGeom>
+        </p:spPr>
+        <p:txBody>
+          <a:bodyPr wrap="none">
+            <a:spAutoFit/>
+          </a:bodyPr>
+          <a:lstStyle/>
+          <a:p>
+            <a:r>
+              <a:rPr lang="en-US" sz="2400" dirty="0"/>
+              <a:t>3.</a:t>
+            </a:r>
+          </a:p>
+        </p:txBody>
+      </p:sp>
+      <p:sp>
+        <p:nvSpPr>
+          <p:cNvPr id="16" name="TextBox 15">
+            <a:extLst>
+              <a:ext uri="{FF2B5EF4-FFF2-40B4-BE49-F238E27FC236}">
+                <a16:creationId xmlns:a16="http://schemas.microsoft.com/office/drawing/2014/main" id="{3FC668E1-6A94-4693-A3CC-A809F78B8555}"/>
+              </a:ext>
+            </a:extLst>
+          </p:cNvPr>
+          <p:cNvSpPr txBox="1"/>
+          <p:nvPr/>
+        </p:nvSpPr>
+        <p:spPr>
+          <a:xfrm>
+            <a:off x="902351" y="5451676"/>
+            <a:ext cx="9144474" cy="1200329"/>
+          </a:xfrm>
+          <a:prstGeom prst="rect">
+            <a:avLst/>
+          </a:prstGeom>
+          <a:noFill/>
+        </p:spPr>
+        <p:txBody>
+          <a:bodyPr wrap="square" rtlCol="0">
+            <a:spAutoFit/>
+          </a:bodyPr>
+          <a:lstStyle/>
+          <a:p>
+            <a:r>
+              <a:rPr lang="en-US" sz="2400" dirty="0"/>
+              <a:t>Characters … Good or bad?   Drama … Good or bad?</a:t>
+            </a:r>
+          </a:p>
+          <a:p>
+            <a:endParaRPr lang="en-US" sz="2400" dirty="0"/>
+          </a:p>
+          <a:p>
+            <a:r>
+              <a:rPr lang="en-US" sz="2400" i="1" u="sng" dirty="0"/>
+              <a:t>Realistic</a:t>
+            </a:r>
+            <a:r>
+              <a:rPr lang="en-US" sz="2400" dirty="0"/>
+              <a:t> characters vs. </a:t>
+            </a:r>
+            <a:r>
+              <a:rPr lang="en-US" sz="2400" i="1" u="sng" dirty="0"/>
+              <a:t>simplistic</a:t>
+            </a:r>
+            <a:r>
+              <a:rPr lang="en-US" sz="2400" dirty="0"/>
+              <a:t> characters</a:t>
+            </a:r>
           </a:p>
         </p:txBody>
       </p:sp>
@@ -11586,6 +13805,456 @@
     <p:extLst>
       <p:ext uri="{BB962C8B-B14F-4D97-AF65-F5344CB8AC3E}">
         <p14:creationId xmlns:p14="http://schemas.microsoft.com/office/powerpoint/2010/main" val="3269055124"/>
+      </p:ext>
+    </p:extLst>
+  </p:cSld>
+  <p:clrMapOvr>
+    <a:masterClrMapping/>
+  </p:clrMapOvr>
+</p:sld>
+</file>
+
+<file path=ppt/slides/slide15.xml><?xml version="1.0" encoding="utf-8"?>
+<p:sld xmlns:a="http://schemas.openxmlformats.org/drawingml/2006/main" xmlns:r="http://schemas.openxmlformats.org/officeDocument/2006/relationships" xmlns:p="http://schemas.openxmlformats.org/presentationml/2006/main">
+  <p:cSld>
+    <p:spTree>
+      <p:nvGrpSpPr>
+        <p:cNvPr id="1" name=""/>
+        <p:cNvGrpSpPr/>
+        <p:nvPr/>
+      </p:nvGrpSpPr>
+      <p:grpSpPr>
+        <a:xfrm>
+          <a:off x="0" y="0"/>
+          <a:ext cx="0" cy="0"/>
+          <a:chOff x="0" y="0"/>
+          <a:chExt cx="0" cy="0"/>
+        </a:xfrm>
+      </p:grpSpPr>
+      <p:sp>
+        <p:nvSpPr>
+          <p:cNvPr id="4" name="TextBox 3">
+            <a:extLst>
+              <a:ext uri="{FF2B5EF4-FFF2-40B4-BE49-F238E27FC236}">
+                <a16:creationId xmlns:a16="http://schemas.microsoft.com/office/drawing/2014/main" id="{D616C419-E750-4DD3-A18C-59C937E7F017}"/>
+              </a:ext>
+            </a:extLst>
+          </p:cNvPr>
+          <p:cNvSpPr txBox="1"/>
+          <p:nvPr/>
+        </p:nvSpPr>
+        <p:spPr>
+          <a:xfrm>
+            <a:off x="0" y="1296364"/>
+            <a:ext cx="12192000" cy="1323975"/>
+          </a:xfrm>
+          <a:prstGeom prst="rect">
+            <a:avLst/>
+          </a:prstGeom>
+          <a:solidFill>
+            <a:schemeClr val="tx2"/>
+          </a:solidFill>
+          <a:ln>
+            <a:noFill/>
+          </a:ln>
+          <a:effectLst/>
+        </p:spPr>
+        <p:txBody>
+          <a:bodyPr vert="horz" wrap="square" lIns="720000" tIns="60960" rIns="121920" bIns="60960" numCol="1" anchor="ctr" anchorCtr="0" compatLnSpc="1">
+            <a:prstTxWarp prst="textNoShape">
+              <a:avLst/>
+            </a:prstTxWarp>
+          </a:bodyPr>
+          <a:lstStyle>
+            <a:defPPr>
+              <a:defRPr lang="en-US"/>
+            </a:defPPr>
+            <a:lvl1pPr defTabSz="1219170" fontAlgn="base">
+              <a:lnSpc>
+                <a:spcPct val="90000"/>
+              </a:lnSpc>
+              <a:spcBef>
+                <a:spcPct val="0"/>
+              </a:spcBef>
+              <a:spcAft>
+                <a:spcPct val="0"/>
+              </a:spcAft>
+              <a:defRPr sz="3733" kern="0">
+                <a:solidFill>
+                  <a:srgbClr val="FFFFFF"/>
+                </a:solidFill>
+                <a:latin typeface="Univers 45 Light"/>
+                <a:ea typeface="+mj-ea"/>
+                <a:cs typeface="Arial"/>
+              </a:defRPr>
+            </a:lvl1pPr>
+            <a:lvl2pPr fontAlgn="base">
+              <a:lnSpc>
+                <a:spcPct val="90000"/>
+              </a:lnSpc>
+              <a:spcBef>
+                <a:spcPct val="0"/>
+              </a:spcBef>
+              <a:spcAft>
+                <a:spcPct val="0"/>
+              </a:spcAft>
+              <a:defRPr sz="2800">
+                <a:solidFill>
+                  <a:schemeClr val="bg1"/>
+                </a:solidFill>
+                <a:latin typeface="Univers 45 Light" pitchFamily="2" charset="0"/>
+                <a:cs typeface="Arial" charset="0"/>
+              </a:defRPr>
+            </a:lvl2pPr>
+            <a:lvl3pPr fontAlgn="base">
+              <a:lnSpc>
+                <a:spcPct val="90000"/>
+              </a:lnSpc>
+              <a:spcBef>
+                <a:spcPct val="0"/>
+              </a:spcBef>
+              <a:spcAft>
+                <a:spcPct val="0"/>
+              </a:spcAft>
+              <a:defRPr sz="2800">
+                <a:solidFill>
+                  <a:schemeClr val="bg1"/>
+                </a:solidFill>
+                <a:latin typeface="Univers 45 Light" pitchFamily="2" charset="0"/>
+                <a:cs typeface="Arial" charset="0"/>
+              </a:defRPr>
+            </a:lvl3pPr>
+            <a:lvl4pPr fontAlgn="base">
+              <a:lnSpc>
+                <a:spcPct val="90000"/>
+              </a:lnSpc>
+              <a:spcBef>
+                <a:spcPct val="0"/>
+              </a:spcBef>
+              <a:spcAft>
+                <a:spcPct val="0"/>
+              </a:spcAft>
+              <a:defRPr sz="2800">
+                <a:solidFill>
+                  <a:schemeClr val="bg1"/>
+                </a:solidFill>
+                <a:latin typeface="Univers 45 Light" pitchFamily="2" charset="0"/>
+                <a:cs typeface="Arial" charset="0"/>
+              </a:defRPr>
+            </a:lvl4pPr>
+            <a:lvl5pPr fontAlgn="base">
+              <a:lnSpc>
+                <a:spcPct val="90000"/>
+              </a:lnSpc>
+              <a:spcBef>
+                <a:spcPct val="0"/>
+              </a:spcBef>
+              <a:spcAft>
+                <a:spcPct val="0"/>
+              </a:spcAft>
+              <a:defRPr sz="2800">
+                <a:solidFill>
+                  <a:schemeClr val="bg1"/>
+                </a:solidFill>
+                <a:latin typeface="Univers 45 Light" pitchFamily="2" charset="0"/>
+                <a:cs typeface="Arial" charset="0"/>
+              </a:defRPr>
+            </a:lvl5pPr>
+            <a:lvl6pPr marL="457200" fontAlgn="base">
+              <a:lnSpc>
+                <a:spcPct val="90000"/>
+              </a:lnSpc>
+              <a:spcBef>
+                <a:spcPct val="0"/>
+              </a:spcBef>
+              <a:spcAft>
+                <a:spcPct val="0"/>
+              </a:spcAft>
+              <a:defRPr sz="2800">
+                <a:solidFill>
+                  <a:schemeClr val="bg1"/>
+                </a:solidFill>
+                <a:latin typeface="Univers 45 Light" pitchFamily="2" charset="0"/>
+                <a:cs typeface="Arial" charset="0"/>
+              </a:defRPr>
+            </a:lvl6pPr>
+            <a:lvl7pPr marL="914400" fontAlgn="base">
+              <a:lnSpc>
+                <a:spcPct val="90000"/>
+              </a:lnSpc>
+              <a:spcBef>
+                <a:spcPct val="0"/>
+              </a:spcBef>
+              <a:spcAft>
+                <a:spcPct val="0"/>
+              </a:spcAft>
+              <a:defRPr sz="2800">
+                <a:solidFill>
+                  <a:schemeClr val="bg1"/>
+                </a:solidFill>
+                <a:latin typeface="Univers 45 Light" pitchFamily="2" charset="0"/>
+                <a:cs typeface="Arial" charset="0"/>
+              </a:defRPr>
+            </a:lvl7pPr>
+            <a:lvl8pPr marL="1371600" fontAlgn="base">
+              <a:lnSpc>
+                <a:spcPct val="90000"/>
+              </a:lnSpc>
+              <a:spcBef>
+                <a:spcPct val="0"/>
+              </a:spcBef>
+              <a:spcAft>
+                <a:spcPct val="0"/>
+              </a:spcAft>
+              <a:defRPr sz="2800">
+                <a:solidFill>
+                  <a:schemeClr val="bg1"/>
+                </a:solidFill>
+                <a:latin typeface="Univers 45 Light" pitchFamily="2" charset="0"/>
+                <a:cs typeface="Arial" charset="0"/>
+              </a:defRPr>
+            </a:lvl8pPr>
+            <a:lvl9pPr marL="1828800" fontAlgn="base">
+              <a:lnSpc>
+                <a:spcPct val="90000"/>
+              </a:lnSpc>
+              <a:spcBef>
+                <a:spcPct val="0"/>
+              </a:spcBef>
+              <a:spcAft>
+                <a:spcPct val="0"/>
+              </a:spcAft>
+              <a:defRPr sz="2800">
+                <a:solidFill>
+                  <a:schemeClr val="bg1"/>
+                </a:solidFill>
+                <a:latin typeface="Univers 45 Light" pitchFamily="2" charset="0"/>
+                <a:cs typeface="Arial" charset="0"/>
+              </a:defRPr>
+            </a:lvl9pPr>
+          </a:lstStyle>
+          <a:p>
+            <a:r>
+              <a:rPr lang="en-US" dirty="0"/>
+              <a:t>	Thank you!</a:t>
+            </a:r>
+          </a:p>
+        </p:txBody>
+      </p:sp>
+      <p:sp>
+        <p:nvSpPr>
+          <p:cNvPr id="5" name="TextBox 4">
+            <a:extLst>
+              <a:ext uri="{FF2B5EF4-FFF2-40B4-BE49-F238E27FC236}">
+                <a16:creationId xmlns:a16="http://schemas.microsoft.com/office/drawing/2014/main" id="{004DFB20-BF69-48E9-BC2B-196DE0AE7C5A}"/>
+              </a:ext>
+            </a:extLst>
+          </p:cNvPr>
+          <p:cNvSpPr txBox="1"/>
+          <p:nvPr/>
+        </p:nvSpPr>
+        <p:spPr>
+          <a:xfrm>
+            <a:off x="0" y="3813868"/>
+            <a:ext cx="12192000" cy="1323975"/>
+          </a:xfrm>
+          <a:prstGeom prst="rect">
+            <a:avLst/>
+          </a:prstGeom>
+          <a:solidFill>
+            <a:schemeClr val="tx2"/>
+          </a:solidFill>
+          <a:ln>
+            <a:noFill/>
+          </a:ln>
+          <a:effectLst/>
+        </p:spPr>
+        <p:txBody>
+          <a:bodyPr vert="horz" wrap="square" lIns="720000" tIns="60960" rIns="121920" bIns="60960" numCol="1" anchor="ctr" anchorCtr="0" compatLnSpc="1">
+            <a:prstTxWarp prst="textNoShape">
+              <a:avLst/>
+            </a:prstTxWarp>
+          </a:bodyPr>
+          <a:lstStyle>
+            <a:defPPr>
+              <a:defRPr lang="en-US"/>
+            </a:defPPr>
+            <a:lvl1pPr defTabSz="1219170" fontAlgn="base">
+              <a:lnSpc>
+                <a:spcPct val="90000"/>
+              </a:lnSpc>
+              <a:spcBef>
+                <a:spcPct val="0"/>
+              </a:spcBef>
+              <a:spcAft>
+                <a:spcPct val="0"/>
+              </a:spcAft>
+              <a:defRPr sz="3733" kern="0">
+                <a:solidFill>
+                  <a:srgbClr val="FFFFFF"/>
+                </a:solidFill>
+                <a:latin typeface="Univers 45 Light"/>
+                <a:ea typeface="+mj-ea"/>
+                <a:cs typeface="Arial"/>
+              </a:defRPr>
+            </a:lvl1pPr>
+            <a:lvl2pPr fontAlgn="base">
+              <a:lnSpc>
+                <a:spcPct val="90000"/>
+              </a:lnSpc>
+              <a:spcBef>
+                <a:spcPct val="0"/>
+              </a:spcBef>
+              <a:spcAft>
+                <a:spcPct val="0"/>
+              </a:spcAft>
+              <a:defRPr sz="2800">
+                <a:solidFill>
+                  <a:schemeClr val="bg1"/>
+                </a:solidFill>
+                <a:latin typeface="Univers 45 Light" pitchFamily="2" charset="0"/>
+                <a:cs typeface="Arial" charset="0"/>
+              </a:defRPr>
+            </a:lvl2pPr>
+            <a:lvl3pPr fontAlgn="base">
+              <a:lnSpc>
+                <a:spcPct val="90000"/>
+              </a:lnSpc>
+              <a:spcBef>
+                <a:spcPct val="0"/>
+              </a:spcBef>
+              <a:spcAft>
+                <a:spcPct val="0"/>
+              </a:spcAft>
+              <a:defRPr sz="2800">
+                <a:solidFill>
+                  <a:schemeClr val="bg1"/>
+                </a:solidFill>
+                <a:latin typeface="Univers 45 Light" pitchFamily="2" charset="0"/>
+                <a:cs typeface="Arial" charset="0"/>
+              </a:defRPr>
+            </a:lvl3pPr>
+            <a:lvl4pPr fontAlgn="base">
+              <a:lnSpc>
+                <a:spcPct val="90000"/>
+              </a:lnSpc>
+              <a:spcBef>
+                <a:spcPct val="0"/>
+              </a:spcBef>
+              <a:spcAft>
+                <a:spcPct val="0"/>
+              </a:spcAft>
+              <a:defRPr sz="2800">
+                <a:solidFill>
+                  <a:schemeClr val="bg1"/>
+                </a:solidFill>
+                <a:latin typeface="Univers 45 Light" pitchFamily="2" charset="0"/>
+                <a:cs typeface="Arial" charset="0"/>
+              </a:defRPr>
+            </a:lvl4pPr>
+            <a:lvl5pPr fontAlgn="base">
+              <a:lnSpc>
+                <a:spcPct val="90000"/>
+              </a:lnSpc>
+              <a:spcBef>
+                <a:spcPct val="0"/>
+              </a:spcBef>
+              <a:spcAft>
+                <a:spcPct val="0"/>
+              </a:spcAft>
+              <a:defRPr sz="2800">
+                <a:solidFill>
+                  <a:schemeClr val="bg1"/>
+                </a:solidFill>
+                <a:latin typeface="Univers 45 Light" pitchFamily="2" charset="0"/>
+                <a:cs typeface="Arial" charset="0"/>
+              </a:defRPr>
+            </a:lvl5pPr>
+            <a:lvl6pPr marL="457200" fontAlgn="base">
+              <a:lnSpc>
+                <a:spcPct val="90000"/>
+              </a:lnSpc>
+              <a:spcBef>
+                <a:spcPct val="0"/>
+              </a:spcBef>
+              <a:spcAft>
+                <a:spcPct val="0"/>
+              </a:spcAft>
+              <a:defRPr sz="2800">
+                <a:solidFill>
+                  <a:schemeClr val="bg1"/>
+                </a:solidFill>
+                <a:latin typeface="Univers 45 Light" pitchFamily="2" charset="0"/>
+                <a:cs typeface="Arial" charset="0"/>
+              </a:defRPr>
+            </a:lvl6pPr>
+            <a:lvl7pPr marL="914400" fontAlgn="base">
+              <a:lnSpc>
+                <a:spcPct val="90000"/>
+              </a:lnSpc>
+              <a:spcBef>
+                <a:spcPct val="0"/>
+              </a:spcBef>
+              <a:spcAft>
+                <a:spcPct val="0"/>
+              </a:spcAft>
+              <a:defRPr sz="2800">
+                <a:solidFill>
+                  <a:schemeClr val="bg1"/>
+                </a:solidFill>
+                <a:latin typeface="Univers 45 Light" pitchFamily="2" charset="0"/>
+                <a:cs typeface="Arial" charset="0"/>
+              </a:defRPr>
+            </a:lvl7pPr>
+            <a:lvl8pPr marL="1371600" fontAlgn="base">
+              <a:lnSpc>
+                <a:spcPct val="90000"/>
+              </a:lnSpc>
+              <a:spcBef>
+                <a:spcPct val="0"/>
+              </a:spcBef>
+              <a:spcAft>
+                <a:spcPct val="0"/>
+              </a:spcAft>
+              <a:defRPr sz="2800">
+                <a:solidFill>
+                  <a:schemeClr val="bg1"/>
+                </a:solidFill>
+                <a:latin typeface="Univers 45 Light" pitchFamily="2" charset="0"/>
+                <a:cs typeface="Arial" charset="0"/>
+              </a:defRPr>
+            </a:lvl8pPr>
+            <a:lvl9pPr marL="1828800" fontAlgn="base">
+              <a:lnSpc>
+                <a:spcPct val="90000"/>
+              </a:lnSpc>
+              <a:spcBef>
+                <a:spcPct val="0"/>
+              </a:spcBef>
+              <a:spcAft>
+                <a:spcPct val="0"/>
+              </a:spcAft>
+              <a:defRPr sz="2800">
+                <a:solidFill>
+                  <a:schemeClr val="bg1"/>
+                </a:solidFill>
+                <a:latin typeface="Univers 45 Light" pitchFamily="2" charset="0"/>
+                <a:cs typeface="Arial" charset="0"/>
+              </a:defRPr>
+            </a:lvl9pPr>
+          </a:lstStyle>
+          <a:p>
+            <a:r>
+              <a:rPr lang="en-US" dirty="0"/>
+              <a:t>				Questions?</a:t>
+            </a:r>
+          </a:p>
+        </p:txBody>
+      </p:sp>
+    </p:spTree>
+    <p:extLst>
+      <p:ext uri="{BB962C8B-B14F-4D97-AF65-F5344CB8AC3E}">
+        <p14:creationId xmlns:p14="http://schemas.microsoft.com/office/powerpoint/2010/main" val="217734989"/>
       </p:ext>
     </p:extLst>
   </p:cSld>
@@ -12665,13 +15334,13 @@
           <p:nvPr>
             <p:extLst>
               <p:ext uri="{D42A27DB-BD31-4B8C-83A1-F6EECF244321}">
-                <p14:modId xmlns:p14="http://schemas.microsoft.com/office/powerpoint/2010/main" val="74586484"/>
+                <p14:modId xmlns:p14="http://schemas.microsoft.com/office/powerpoint/2010/main" val="1872614541"/>
               </p:ext>
             </p:extLst>
           </p:nvPr>
         </p:nvGraphicFramePr>
         <p:xfrm>
-          <a:off x="9150931" y="2236604"/>
+          <a:off x="9150931" y="2885961"/>
           <a:ext cx="2794142" cy="2895600"/>
         </p:xfrm>
         <a:graphic>
@@ -12962,6 +15631,72 @@
           </a:p>
         </p:txBody>
       </p:sp>
+      <p:sp>
+        <p:nvSpPr>
+          <p:cNvPr id="18" name="Rectangle 17">
+            <a:extLst>
+              <a:ext uri="{FF2B5EF4-FFF2-40B4-BE49-F238E27FC236}">
+                <a16:creationId xmlns:a16="http://schemas.microsoft.com/office/drawing/2014/main" id="{73FF273C-14D8-4FF6-9CFE-53FD596D80D6}"/>
+              </a:ext>
+            </a:extLst>
+          </p:cNvPr>
+          <p:cNvSpPr/>
+          <p:nvPr/>
+        </p:nvSpPr>
+        <p:spPr>
+          <a:xfrm>
+            <a:off x="7106856" y="451767"/>
+            <a:ext cx="4956313" cy="1569660"/>
+          </a:xfrm>
+          <a:prstGeom prst="rect">
+            <a:avLst/>
+          </a:prstGeom>
+          <a:solidFill>
+            <a:srgbClr val="FFFFFF"/>
+          </a:solidFill>
+          <a:ln>
+            <a:solidFill>
+              <a:schemeClr val="accent1"/>
+            </a:solidFill>
+          </a:ln>
+        </p:spPr>
+        <p:txBody>
+          <a:bodyPr wrap="square" rtlCol="0">
+            <a:spAutoFit/>
+          </a:bodyPr>
+          <a:lstStyle/>
+          <a:p>
+            <a:pPr marL="342900" indent="-342900">
+              <a:buFont typeface="Arial" panose="020B0604020202020204" pitchFamily="34" charset="0"/>
+              <a:buChar char="•"/>
+            </a:pPr>
+            <a:r>
+              <a:rPr lang="en-US" sz="2400" dirty="0"/>
+              <a:t>Profit ratio = 1 -  neither making nor losing money. </a:t>
+            </a:r>
+          </a:p>
+          <a:p>
+            <a:pPr marL="342900" indent="-342900">
+              <a:buFont typeface="Arial" panose="020B0604020202020204" pitchFamily="34" charset="0"/>
+              <a:buChar char="•"/>
+            </a:pPr>
+            <a:r>
+              <a:rPr lang="en-US" sz="2400" dirty="0"/>
+              <a:t>Profit ratio &lt; 1 - losing money.</a:t>
+            </a:r>
+          </a:p>
+          <a:p>
+            <a:pPr marL="342900" indent="-342900">
+              <a:buFont typeface="Arial" panose="020B0604020202020204" pitchFamily="34" charset="0"/>
+              <a:buChar char="•"/>
+            </a:pPr>
+            <a:r>
+              <a:rPr lang="en-US" sz="2400" dirty="0"/>
+              <a:t>Profit ratio &gt; 1 - making money.</a:t>
+            </a:r>
+          </a:p>
+        </p:txBody>
+      </p:sp>
     </p:spTree>
     <p:extLst>
       <p:ext uri="{BB962C8B-B14F-4D97-AF65-F5344CB8AC3E}">
@@ -13583,67 +16318,6 @@
             <a:r>
               <a:rPr lang="en-US" sz="2400" dirty="0"/>
               <a:t>With randomly chosen movies, after 20 movies, we are almost certain to reach a profit ratio higher than 3.</a:t>
-            </a:r>
-          </a:p>
-        </p:txBody>
-      </p:sp>
-      <p:sp>
-        <p:nvSpPr>
-          <p:cNvPr id="7" name="Rectangle 6">
-            <a:extLst>
-              <a:ext uri="{FF2B5EF4-FFF2-40B4-BE49-F238E27FC236}">
-                <a16:creationId xmlns:a16="http://schemas.microsoft.com/office/drawing/2014/main" id="{C65B20F6-7D57-4E83-933E-23C5B28EE02D}"/>
-              </a:ext>
-            </a:extLst>
-          </p:cNvPr>
-          <p:cNvSpPr/>
-          <p:nvPr/>
-        </p:nvSpPr>
-        <p:spPr>
-          <a:xfrm>
-            <a:off x="7564567" y="359747"/>
-            <a:ext cx="4506649" cy="2308324"/>
-          </a:xfrm>
-          <a:prstGeom prst="rect">
-            <a:avLst/>
-          </a:prstGeom>
-          <a:solidFill>
-            <a:srgbClr val="FFFFFF"/>
-          </a:solidFill>
-        </p:spPr>
-        <p:txBody>
-          <a:bodyPr wrap="square" rtlCol="0">
-            <a:spAutoFit/>
-          </a:bodyPr>
-          <a:lstStyle/>
-          <a:p>
-            <a:pPr marL="342900" indent="-342900">
-              <a:buFont typeface="Arial" panose="020B0604020202020204" pitchFamily="34" charset="0"/>
-              <a:buChar char="•"/>
-            </a:pPr>
-            <a:r>
-              <a:rPr lang="en-US" sz="2400" dirty="0"/>
-              <a:t>Profit ratio = 1 means neither making nor losing money. </a:t>
-            </a:r>
-          </a:p>
-          <a:p>
-            <a:pPr marL="342900" indent="-342900">
-              <a:buFont typeface="Arial" panose="020B0604020202020204" pitchFamily="34" charset="0"/>
-              <a:buChar char="•"/>
-            </a:pPr>
-            <a:r>
-              <a:rPr lang="en-US" sz="2400" dirty="0"/>
-              <a:t>Profit ratio &lt; 1 means losing money.</a:t>
-            </a:r>
-          </a:p>
-          <a:p>
-            <a:pPr marL="342900" indent="-342900">
-              <a:buFont typeface="Arial" panose="020B0604020202020204" pitchFamily="34" charset="0"/>
-              <a:buChar char="•"/>
-            </a:pPr>
-            <a:r>
-              <a:rPr lang="en-US" sz="2400" dirty="0"/>
-              <a:t>Profit ratio &gt; 1 means making money.</a:t>
             </a:r>
           </a:p>
         </p:txBody>
